--- a/Portfolio/compile/game_exhibition/photography_sequel.pptx
+++ b/Portfolio/compile/game_exhibition/photography_sequel.pptx
@@ -8,8 +8,9 @@
     <p:sldId id="256" r:id="rId2"/>
     <p:sldId id="257" r:id="rId3"/>
     <p:sldId id="258" r:id="rId4"/>
-    <p:sldId id="259" r:id="rId5"/>
-    <p:sldId id="260" r:id="rId6"/>
+    <p:sldId id="261" r:id="rId5"/>
+    <p:sldId id="259" r:id="rId6"/>
+    <p:sldId id="260" r:id="rId7"/>
   </p:sldIdLst>
   <p:sldSz cx="12192000" cy="6858000"/>
   <p:notesSz cx="6858000" cy="9144000"/>
@@ -108,6 +109,11 @@
       </a:defRPr>
     </a:lvl9pPr>
   </p:defaultTextStyle>
+  <p:extLst>
+    <p:ext uri="{EFAFB233-063F-42B5-8137-9DF3F51BA10A}">
+      <p15:sldGuideLst xmlns:p15="http://schemas.microsoft.com/office/powerpoint/2012/main"/>
+    </p:ext>
+  </p:extLst>
 </p:presentation>
 </file>
 
@@ -258,7 +264,7 @@
           <a:p>
             <a:fld id="{787A4331-A733-47E9-9C4F-15BA54277F4E}" type="datetimeFigureOut">
               <a:rPr lang="zh-TW" altLang="en-US" smtClean="0"/>
-              <a:t>2023/9/7</a:t>
+              <a:t>2023/9/8</a:t>
             </a:fld>
             <a:endParaRPr lang="zh-TW" altLang="en-US"/>
           </a:p>
@@ -456,7 +462,7 @@
           <a:p>
             <a:fld id="{787A4331-A733-47E9-9C4F-15BA54277F4E}" type="datetimeFigureOut">
               <a:rPr lang="zh-TW" altLang="en-US" smtClean="0"/>
-              <a:t>2023/9/7</a:t>
+              <a:t>2023/9/8</a:t>
             </a:fld>
             <a:endParaRPr lang="zh-TW" altLang="en-US"/>
           </a:p>
@@ -664,7 +670,7 @@
           <a:p>
             <a:fld id="{787A4331-A733-47E9-9C4F-15BA54277F4E}" type="datetimeFigureOut">
               <a:rPr lang="zh-TW" altLang="en-US" smtClean="0"/>
-              <a:t>2023/9/7</a:t>
+              <a:t>2023/9/8</a:t>
             </a:fld>
             <a:endParaRPr lang="zh-TW" altLang="en-US"/>
           </a:p>
@@ -862,7 +868,7 @@
           <a:p>
             <a:fld id="{787A4331-A733-47E9-9C4F-15BA54277F4E}" type="datetimeFigureOut">
               <a:rPr lang="zh-TW" altLang="en-US" smtClean="0"/>
-              <a:t>2023/9/7</a:t>
+              <a:t>2023/9/8</a:t>
             </a:fld>
             <a:endParaRPr lang="zh-TW" altLang="en-US"/>
           </a:p>
@@ -1137,7 +1143,7 @@
           <a:p>
             <a:fld id="{787A4331-A733-47E9-9C4F-15BA54277F4E}" type="datetimeFigureOut">
               <a:rPr lang="zh-TW" altLang="en-US" smtClean="0"/>
-              <a:t>2023/9/7</a:t>
+              <a:t>2023/9/8</a:t>
             </a:fld>
             <a:endParaRPr lang="zh-TW" altLang="en-US"/>
           </a:p>
@@ -1402,7 +1408,7 @@
           <a:p>
             <a:fld id="{787A4331-A733-47E9-9C4F-15BA54277F4E}" type="datetimeFigureOut">
               <a:rPr lang="zh-TW" altLang="en-US" smtClean="0"/>
-              <a:t>2023/9/7</a:t>
+              <a:t>2023/9/8</a:t>
             </a:fld>
             <a:endParaRPr lang="zh-TW" altLang="en-US"/>
           </a:p>
@@ -1814,7 +1820,7 @@
           <a:p>
             <a:fld id="{787A4331-A733-47E9-9C4F-15BA54277F4E}" type="datetimeFigureOut">
               <a:rPr lang="zh-TW" altLang="en-US" smtClean="0"/>
-              <a:t>2023/9/7</a:t>
+              <a:t>2023/9/8</a:t>
             </a:fld>
             <a:endParaRPr lang="zh-TW" altLang="en-US"/>
           </a:p>
@@ -1955,7 +1961,7 @@
           <a:p>
             <a:fld id="{787A4331-A733-47E9-9C4F-15BA54277F4E}" type="datetimeFigureOut">
               <a:rPr lang="zh-TW" altLang="en-US" smtClean="0"/>
-              <a:t>2023/9/7</a:t>
+              <a:t>2023/9/8</a:t>
             </a:fld>
             <a:endParaRPr lang="zh-TW" altLang="en-US"/>
           </a:p>
@@ -2068,7 +2074,7 @@
           <a:p>
             <a:fld id="{787A4331-A733-47E9-9C4F-15BA54277F4E}" type="datetimeFigureOut">
               <a:rPr lang="zh-TW" altLang="en-US" smtClean="0"/>
-              <a:t>2023/9/7</a:t>
+              <a:t>2023/9/8</a:t>
             </a:fld>
             <a:endParaRPr lang="zh-TW" altLang="en-US"/>
           </a:p>
@@ -2379,7 +2385,7 @@
           <a:p>
             <a:fld id="{787A4331-A733-47E9-9C4F-15BA54277F4E}" type="datetimeFigureOut">
               <a:rPr lang="zh-TW" altLang="en-US" smtClean="0"/>
-              <a:t>2023/9/7</a:t>
+              <a:t>2023/9/8</a:t>
             </a:fld>
             <a:endParaRPr lang="zh-TW" altLang="en-US"/>
           </a:p>
@@ -2667,7 +2673,7 @@
           <a:p>
             <a:fld id="{787A4331-A733-47E9-9C4F-15BA54277F4E}" type="datetimeFigureOut">
               <a:rPr lang="zh-TW" altLang="en-US" smtClean="0"/>
-              <a:t>2023/9/7</a:t>
+              <a:t>2023/9/8</a:t>
             </a:fld>
             <a:endParaRPr lang="zh-TW" altLang="en-US"/>
           </a:p>
@@ -2908,7 +2914,7 @@
           <a:p>
             <a:fld id="{787A4331-A733-47E9-9C4F-15BA54277F4E}" type="datetimeFigureOut">
               <a:rPr lang="zh-TW" altLang="en-US" smtClean="0"/>
-              <a:t>2023/9/7</a:t>
+              <a:t>2023/9/8</a:t>
             </a:fld>
             <a:endParaRPr lang="zh-TW" altLang="en-US"/>
           </a:p>
@@ -4771,10 +4777,10 @@
       </p:grpSpPr>
       <p:sp>
         <p:nvSpPr>
-          <p:cNvPr id="4" name="矩形: 圓角 3">
-            <a:extLst>
-              <a:ext uri="{FF2B5EF4-FFF2-40B4-BE49-F238E27FC236}">
-                <a16:creationId xmlns:a16="http://schemas.microsoft.com/office/drawing/2014/main" id="{88382D1E-21D5-8527-B0FD-F0CD837B2619}"/>
+          <p:cNvPr id="15" name="矩形 14">
+            <a:extLst>
+              <a:ext uri="{FF2B5EF4-FFF2-40B4-BE49-F238E27FC236}">
+                <a16:creationId xmlns:a16="http://schemas.microsoft.com/office/drawing/2014/main" id="{2AD1C621-A991-AA0F-58B4-860D0C5F644C}"/>
               </a:ext>
             </a:extLst>
           </p:cNvPr>
@@ -4783,10 +4789,56 @@
         </p:nvSpPr>
         <p:spPr>
           <a:xfrm>
-            <a:off x="471715" y="383785"/>
-            <a:ext cx="3802743" cy="1195161"/>
-          </a:xfrm>
-          <a:prstGeom prst="roundRect">
+            <a:off x="471715" y="178873"/>
+            <a:ext cx="4149378" cy="1486110"/>
+          </a:xfrm>
+          <a:prstGeom prst="rect">
+            <a:avLst/>
+          </a:prstGeom>
+        </p:spPr>
+        <p:style>
+          <a:lnRef idx="2">
+            <a:schemeClr val="dk1">
+              <a:shade val="50000"/>
+            </a:schemeClr>
+          </a:lnRef>
+          <a:fillRef idx="1">
+            <a:schemeClr val="dk1"/>
+          </a:fillRef>
+          <a:effectRef idx="0">
+            <a:schemeClr val="dk1"/>
+          </a:effectRef>
+          <a:fontRef idx="minor">
+            <a:schemeClr val="lt1"/>
+          </a:fontRef>
+        </p:style>
+        <p:txBody>
+          <a:bodyPr rtlCol="0" anchor="ctr"/>
+          <a:lstStyle/>
+          <a:p>
+            <a:pPr algn="ctr"/>
+            <a:endParaRPr lang="zh-TW" altLang="en-US" dirty="0"/>
+          </a:p>
+        </p:txBody>
+      </p:sp>
+      <p:sp>
+        <p:nvSpPr>
+          <p:cNvPr id="16" name="矩形 15">
+            <a:extLst>
+              <a:ext uri="{FF2B5EF4-FFF2-40B4-BE49-F238E27FC236}">
+                <a16:creationId xmlns:a16="http://schemas.microsoft.com/office/drawing/2014/main" id="{7E39525E-EB0D-0304-38F4-0D19851F736A}"/>
+              </a:ext>
+            </a:extLst>
+          </p:cNvPr>
+          <p:cNvSpPr/>
+          <p:nvPr/>
+        </p:nvSpPr>
+        <p:spPr>
+          <a:xfrm>
+            <a:off x="1131396" y="113670"/>
+            <a:ext cx="3779997" cy="1455431"/>
+          </a:xfrm>
+          <a:prstGeom prst="rect">
             <a:avLst/>
           </a:prstGeom>
           <a:solidFill>
@@ -4794,11 +4846,123 @@
           </a:solidFill>
           <a:ln>
             <a:solidFill>
-              <a:schemeClr val="accent1">
-                <a:lumMod val="20000"/>
-                <a:lumOff val="80000"/>
-              </a:schemeClr>
+              <a:schemeClr val="bg1"/>
             </a:solidFill>
+          </a:ln>
+        </p:spPr>
+        <p:style>
+          <a:lnRef idx="2">
+            <a:schemeClr val="dk1">
+              <a:shade val="50000"/>
+            </a:schemeClr>
+          </a:lnRef>
+          <a:fillRef idx="1">
+            <a:schemeClr val="dk1"/>
+          </a:fillRef>
+          <a:effectRef idx="0">
+            <a:schemeClr val="dk1"/>
+          </a:effectRef>
+          <a:fontRef idx="minor">
+            <a:schemeClr val="lt1"/>
+          </a:fontRef>
+        </p:style>
+        <p:txBody>
+          <a:bodyPr rtlCol="0" anchor="ctr"/>
+          <a:lstStyle/>
+          <a:p>
+            <a:pPr algn="ctr">
+              <a:spcBef>
+                <a:spcPts val="2400"/>
+              </a:spcBef>
+            </a:pPr>
+            <a:endParaRPr lang="zh-TW" altLang="en-US" dirty="0"/>
+          </a:p>
+        </p:txBody>
+      </p:sp>
+      <p:sp>
+        <p:nvSpPr>
+          <p:cNvPr id="5" name="標題 1">
+            <a:extLst>
+              <a:ext uri="{FF2B5EF4-FFF2-40B4-BE49-F238E27FC236}">
+                <a16:creationId xmlns:a16="http://schemas.microsoft.com/office/drawing/2014/main" id="{1E95A89D-BC3A-2558-238E-B7A3A5CEA834}"/>
+              </a:ext>
+            </a:extLst>
+          </p:cNvPr>
+          <p:cNvSpPr txBox="1">
+            <a:spLocks/>
+          </p:cNvSpPr>
+          <p:nvPr/>
+        </p:nvSpPr>
+        <p:spPr>
+          <a:xfrm>
+            <a:off x="1220161" y="343465"/>
+            <a:ext cx="2652486" cy="1325563"/>
+          </a:xfrm>
+          <a:prstGeom prst="rect">
+            <a:avLst/>
+          </a:prstGeom>
+        </p:spPr>
+        <p:txBody>
+          <a:bodyPr vert="horz" lIns="91440" tIns="45720" rIns="91440" bIns="45720" rtlCol="0" anchor="ctr">
+            <a:normAutofit/>
+          </a:bodyPr>
+          <a:lstStyle>
+            <a:lvl1pPr algn="l" defTabSz="914400" rtl="0" eaLnBrk="1" latinLnBrk="0" hangingPunct="1">
+              <a:lnSpc>
+                <a:spcPct val="90000"/>
+              </a:lnSpc>
+              <a:spcBef>
+                <a:spcPct val="0"/>
+              </a:spcBef>
+              <a:buNone/>
+              <a:defRPr sz="4400" kern="1200">
+                <a:solidFill>
+                  <a:schemeClr val="tx1"/>
+                </a:solidFill>
+                <a:latin typeface="+mj-lt"/>
+                <a:ea typeface="+mj-ea"/>
+                <a:cs typeface="+mj-cs"/>
+              </a:defRPr>
+            </a:lvl1pPr>
+          </a:lstStyle>
+          <a:p>
+            <a:r>
+              <a:rPr lang="zh-TW" altLang="en-US" sz="3600" dirty="0">
+                <a:latin typeface="Noto Sans TC" panose="020B0200000000000000" pitchFamily="34" charset="-120"/>
+                <a:ea typeface="Noto Sans TC" panose="020B0200000000000000" pitchFamily="34" charset="-120"/>
+              </a:rPr>
+              <a:t>結合</a:t>
+            </a:r>
+          </a:p>
+        </p:txBody>
+      </p:sp>
+      <p:sp>
+        <p:nvSpPr>
+          <p:cNvPr id="6" name="矩形: 圓角 5">
+            <a:extLst>
+              <a:ext uri="{FF2B5EF4-FFF2-40B4-BE49-F238E27FC236}">
+                <a16:creationId xmlns:a16="http://schemas.microsoft.com/office/drawing/2014/main" id="{99971B66-D43A-C0BF-D44E-7521A36BF117}"/>
+              </a:ext>
+            </a:extLst>
+          </p:cNvPr>
+          <p:cNvSpPr/>
+          <p:nvPr/>
+        </p:nvSpPr>
+        <p:spPr>
+          <a:xfrm>
+            <a:off x="1452" y="671804"/>
+            <a:ext cx="127726" cy="668886"/>
+          </a:xfrm>
+          <a:prstGeom prst="roundRect">
+            <a:avLst/>
+          </a:prstGeom>
+          <a:solidFill>
+            <a:schemeClr val="bg1">
+              <a:lumMod val="65000"/>
+            </a:schemeClr>
+          </a:solidFill>
+          <a:ln>
+            <a:noFill/>
           </a:ln>
         </p:spPr>
         <p:style>
@@ -4828,67 +4992,10 @@
       </p:sp>
       <p:sp>
         <p:nvSpPr>
-          <p:cNvPr id="5" name="標題 1">
-            <a:extLst>
-              <a:ext uri="{FF2B5EF4-FFF2-40B4-BE49-F238E27FC236}">
-                <a16:creationId xmlns:a16="http://schemas.microsoft.com/office/drawing/2014/main" id="{1E95A89D-BC3A-2558-238E-B7A3A5CEA834}"/>
-              </a:ext>
-            </a:extLst>
-          </p:cNvPr>
-          <p:cNvSpPr txBox="1">
-            <a:spLocks/>
-          </p:cNvSpPr>
-          <p:nvPr/>
-        </p:nvSpPr>
-        <p:spPr>
-          <a:xfrm>
-            <a:off x="1040623" y="318583"/>
-            <a:ext cx="2652486" cy="1325563"/>
-          </a:xfrm>
-          <a:prstGeom prst="rect">
-            <a:avLst/>
-          </a:prstGeom>
-        </p:spPr>
-        <p:txBody>
-          <a:bodyPr vert="horz" lIns="91440" tIns="45720" rIns="91440" bIns="45720" rtlCol="0" anchor="ctr">
-            <a:normAutofit/>
-          </a:bodyPr>
-          <a:lstStyle>
-            <a:lvl1pPr algn="l" defTabSz="914400" rtl="0" eaLnBrk="1" latinLnBrk="0" hangingPunct="1">
-              <a:lnSpc>
-                <a:spcPct val="90000"/>
-              </a:lnSpc>
-              <a:spcBef>
-                <a:spcPct val="0"/>
-              </a:spcBef>
-              <a:buNone/>
-              <a:defRPr sz="4400" kern="1200">
-                <a:solidFill>
-                  <a:schemeClr val="tx1"/>
-                </a:solidFill>
-                <a:latin typeface="+mj-lt"/>
-                <a:ea typeface="+mj-ea"/>
-                <a:cs typeface="+mj-cs"/>
-              </a:defRPr>
-            </a:lvl1pPr>
-          </a:lstStyle>
-          <a:p>
-            <a:r>
-              <a:rPr lang="zh-TW" altLang="en-US" sz="3600" dirty="0">
-                <a:latin typeface="Noto Sans TC" panose="020B0200000000000000" pitchFamily="34" charset="-120"/>
-                <a:ea typeface="Noto Sans TC" panose="020B0200000000000000" pitchFamily="34" charset="-120"/>
-              </a:rPr>
-              <a:t>介面</a:t>
-            </a:r>
-          </a:p>
-        </p:txBody>
-      </p:sp>
-      <p:sp>
-        <p:nvSpPr>
-          <p:cNvPr id="6" name="矩形: 圓角 5">
-            <a:extLst>
-              <a:ext uri="{FF2B5EF4-FFF2-40B4-BE49-F238E27FC236}">
-                <a16:creationId xmlns:a16="http://schemas.microsoft.com/office/drawing/2014/main" id="{99971B66-D43A-C0BF-D44E-7521A36BF117}"/>
+          <p:cNvPr id="7" name="矩形: 圓角 6">
+            <a:extLst>
+              <a:ext uri="{FF2B5EF4-FFF2-40B4-BE49-F238E27FC236}">
+                <a16:creationId xmlns:a16="http://schemas.microsoft.com/office/drawing/2014/main" id="{113DE221-B68D-29D0-C1DF-61735A02A7CC}"/>
               </a:ext>
             </a:extLst>
           </p:cNvPr>
@@ -4897,8 +5004,8 @@
         </p:nvSpPr>
         <p:spPr>
           <a:xfrm>
-            <a:off x="1452" y="671804"/>
-            <a:ext cx="127726" cy="668886"/>
+            <a:off x="169816" y="574766"/>
+            <a:ext cx="130630" cy="862962"/>
           </a:xfrm>
           <a:prstGeom prst="roundRect">
             <a:avLst/>
@@ -4939,10 +5046,10 @@
       </p:sp>
       <p:sp>
         <p:nvSpPr>
-          <p:cNvPr id="7" name="矩形: 圓角 6">
-            <a:extLst>
-              <a:ext uri="{FF2B5EF4-FFF2-40B4-BE49-F238E27FC236}">
-                <a16:creationId xmlns:a16="http://schemas.microsoft.com/office/drawing/2014/main" id="{113DE221-B68D-29D0-C1DF-61735A02A7CC}"/>
+          <p:cNvPr id="8" name="矩形: 圓角 7">
+            <a:extLst>
+              <a:ext uri="{FF2B5EF4-FFF2-40B4-BE49-F238E27FC236}">
+                <a16:creationId xmlns:a16="http://schemas.microsoft.com/office/drawing/2014/main" id="{343C3C89-62EF-ACF2-E520-1C15FC9E0510}"/>
               </a:ext>
             </a:extLst>
           </p:cNvPr>
@@ -4951,8 +5058,8 @@
         </p:nvSpPr>
         <p:spPr>
           <a:xfrm>
-            <a:off x="169816" y="574766"/>
-            <a:ext cx="130630" cy="862962"/>
+            <a:off x="341085" y="511629"/>
+            <a:ext cx="130630" cy="976762"/>
           </a:xfrm>
           <a:prstGeom prst="roundRect">
             <a:avLst/>
@@ -4991,280 +5098,12 @@
           </a:p>
         </p:txBody>
       </p:sp>
-      <p:sp>
-        <p:nvSpPr>
-          <p:cNvPr id="8" name="矩形: 圓角 7">
-            <a:extLst>
-              <a:ext uri="{FF2B5EF4-FFF2-40B4-BE49-F238E27FC236}">
-                <a16:creationId xmlns:a16="http://schemas.microsoft.com/office/drawing/2014/main" id="{343C3C89-62EF-ACF2-E520-1C15FC9E0510}"/>
-              </a:ext>
-            </a:extLst>
-          </p:cNvPr>
-          <p:cNvSpPr/>
-          <p:nvPr/>
-        </p:nvSpPr>
-        <p:spPr>
-          <a:xfrm>
-            <a:off x="341085" y="511629"/>
-            <a:ext cx="130630" cy="976762"/>
-          </a:xfrm>
-          <a:prstGeom prst="roundRect">
-            <a:avLst/>
-          </a:prstGeom>
-          <a:solidFill>
-            <a:schemeClr val="bg1">
-              <a:lumMod val="65000"/>
-            </a:schemeClr>
-          </a:solidFill>
-          <a:ln>
-            <a:noFill/>
-          </a:ln>
-        </p:spPr>
-        <p:style>
-          <a:lnRef idx="2">
-            <a:schemeClr val="accent1">
-              <a:shade val="50000"/>
-            </a:schemeClr>
-          </a:lnRef>
-          <a:fillRef idx="1">
-            <a:schemeClr val="accent1"/>
-          </a:fillRef>
-          <a:effectRef idx="0">
-            <a:schemeClr val="accent1"/>
-          </a:effectRef>
-          <a:fontRef idx="minor">
-            <a:schemeClr val="lt1"/>
-          </a:fontRef>
-        </p:style>
-        <p:txBody>
-          <a:bodyPr rtlCol="0" anchor="ctr"/>
-          <a:lstStyle/>
-          <a:p>
-            <a:pPr algn="ctr"/>
-            <a:endParaRPr lang="zh-TW" altLang="en-US"/>
-          </a:p>
-        </p:txBody>
-      </p:sp>
-      <p:sp>
-        <p:nvSpPr>
-          <p:cNvPr id="11" name="矩形 10">
-            <a:extLst>
-              <a:ext uri="{FF2B5EF4-FFF2-40B4-BE49-F238E27FC236}">
-                <a16:creationId xmlns:a16="http://schemas.microsoft.com/office/drawing/2014/main" id="{6E390E0F-4976-8622-BB6E-AD546DF10FA2}"/>
-              </a:ext>
-            </a:extLst>
-          </p:cNvPr>
-          <p:cNvSpPr/>
-          <p:nvPr/>
-        </p:nvSpPr>
-        <p:spPr>
-          <a:xfrm>
-            <a:off x="976400" y="5234567"/>
-            <a:ext cx="2335819" cy="340508"/>
-          </a:xfrm>
-          <a:prstGeom prst="rect">
-            <a:avLst/>
-          </a:prstGeom>
-        </p:spPr>
-        <p:style>
-          <a:lnRef idx="2">
-            <a:schemeClr val="dk1">
-              <a:shade val="50000"/>
-            </a:schemeClr>
-          </a:lnRef>
-          <a:fillRef idx="1">
-            <a:schemeClr val="dk1"/>
-          </a:fillRef>
-          <a:effectRef idx="0">
-            <a:schemeClr val="dk1"/>
-          </a:effectRef>
-          <a:fontRef idx="minor">
-            <a:schemeClr val="lt1"/>
-          </a:fontRef>
-        </p:style>
-        <p:txBody>
-          <a:bodyPr rtlCol="0" anchor="ctr"/>
-          <a:lstStyle/>
-          <a:p>
-            <a:pPr algn="ctr"/>
-            <a:endParaRPr lang="zh-TW" altLang="en-US" dirty="0"/>
-          </a:p>
-        </p:txBody>
-      </p:sp>
-      <p:sp>
-        <p:nvSpPr>
-          <p:cNvPr id="12" name="矩形 11">
-            <a:extLst>
-              <a:ext uri="{FF2B5EF4-FFF2-40B4-BE49-F238E27FC236}">
-                <a16:creationId xmlns:a16="http://schemas.microsoft.com/office/drawing/2014/main" id="{E1C123DC-DDB0-2494-2973-32ECE4AB26A1}"/>
-              </a:ext>
-            </a:extLst>
-          </p:cNvPr>
-          <p:cNvSpPr/>
-          <p:nvPr/>
-        </p:nvSpPr>
-        <p:spPr>
-          <a:xfrm>
-            <a:off x="1358825" y="5159927"/>
-            <a:ext cx="1780062" cy="340508"/>
-          </a:xfrm>
-          <a:prstGeom prst="rect">
-            <a:avLst/>
-          </a:prstGeom>
-          <a:solidFill>
-            <a:schemeClr val="bg1"/>
-          </a:solidFill>
-          <a:ln>
-            <a:solidFill>
-              <a:schemeClr val="bg1"/>
-            </a:solidFill>
-          </a:ln>
-        </p:spPr>
-        <p:style>
-          <a:lnRef idx="2">
-            <a:schemeClr val="dk1">
-              <a:shade val="50000"/>
-            </a:schemeClr>
-          </a:lnRef>
-          <a:fillRef idx="1">
-            <a:schemeClr val="dk1"/>
-          </a:fillRef>
-          <a:effectRef idx="0">
-            <a:schemeClr val="dk1"/>
-          </a:effectRef>
-          <a:fontRef idx="minor">
-            <a:schemeClr val="lt1"/>
-          </a:fontRef>
-        </p:style>
-        <p:txBody>
-          <a:bodyPr rtlCol="0" anchor="ctr"/>
-          <a:lstStyle/>
-          <a:p>
-            <a:pPr algn="ctr"/>
-            <a:endParaRPr lang="zh-TW" altLang="en-US" dirty="0"/>
-          </a:p>
-        </p:txBody>
-      </p:sp>
-      <p:sp>
-        <p:nvSpPr>
-          <p:cNvPr id="19" name="標題 1">
-            <a:extLst>
-              <a:ext uri="{FF2B5EF4-FFF2-40B4-BE49-F238E27FC236}">
-                <a16:creationId xmlns:a16="http://schemas.microsoft.com/office/drawing/2014/main" id="{D7AC36E8-4823-45DB-21CD-53B7D5091147}"/>
-              </a:ext>
-            </a:extLst>
-          </p:cNvPr>
-          <p:cNvSpPr txBox="1">
-            <a:spLocks/>
-          </p:cNvSpPr>
-          <p:nvPr/>
-        </p:nvSpPr>
-        <p:spPr>
-          <a:xfrm>
-            <a:off x="1358825" y="5067449"/>
-            <a:ext cx="1953394" cy="532048"/>
-          </a:xfrm>
-          <a:prstGeom prst="rect">
-            <a:avLst/>
-          </a:prstGeom>
-        </p:spPr>
-        <p:txBody>
-          <a:bodyPr vert="horz" lIns="91440" tIns="45720" rIns="91440" bIns="45720" rtlCol="0" anchor="ctr">
-            <a:normAutofit/>
-          </a:bodyPr>
-          <a:lstStyle>
-            <a:lvl1pPr algn="l" defTabSz="914400" rtl="0" eaLnBrk="1" latinLnBrk="0" hangingPunct="1">
-              <a:lnSpc>
-                <a:spcPct val="90000"/>
-              </a:lnSpc>
-              <a:spcBef>
-                <a:spcPct val="0"/>
-              </a:spcBef>
-              <a:buNone/>
-              <a:defRPr sz="4400" kern="1200">
-                <a:solidFill>
-                  <a:schemeClr val="tx1"/>
-                </a:solidFill>
-                <a:latin typeface="+mj-lt"/>
-                <a:ea typeface="+mj-ea"/>
-                <a:cs typeface="+mj-cs"/>
-              </a:defRPr>
-            </a:lvl1pPr>
-          </a:lstStyle>
-          <a:p>
-            <a:r>
-              <a:rPr lang="zh-TW" altLang="en-US" sz="1800" dirty="0">
-                <a:latin typeface="Noto Sans TC" panose="020B0200000000000000" pitchFamily="34" charset="-120"/>
-                <a:ea typeface="Noto Sans TC" panose="020B0200000000000000" pitchFamily="34" charset="-120"/>
-              </a:rPr>
-              <a:t>起始畫面</a:t>
-            </a:r>
-          </a:p>
-        </p:txBody>
-      </p:sp>
-      <p:sp>
-        <p:nvSpPr>
-          <p:cNvPr id="28" name="標題 1">
-            <a:extLst>
-              <a:ext uri="{FF2B5EF4-FFF2-40B4-BE49-F238E27FC236}">
-                <a16:creationId xmlns:a16="http://schemas.microsoft.com/office/drawing/2014/main" id="{08904118-3FB9-FFEC-BFB0-6DA067CC6191}"/>
-              </a:ext>
-            </a:extLst>
-          </p:cNvPr>
-          <p:cNvSpPr txBox="1">
-            <a:spLocks/>
-          </p:cNvSpPr>
-          <p:nvPr/>
-        </p:nvSpPr>
-        <p:spPr>
-          <a:xfrm>
-            <a:off x="976399" y="5621452"/>
-            <a:ext cx="2973559" cy="532048"/>
-          </a:xfrm>
-          <a:prstGeom prst="rect">
-            <a:avLst/>
-          </a:prstGeom>
-        </p:spPr>
-        <p:txBody>
-          <a:bodyPr vert="horz" lIns="91440" tIns="45720" rIns="91440" bIns="45720" rtlCol="0" anchor="ctr">
-            <a:normAutofit/>
-          </a:bodyPr>
-          <a:lstStyle>
-            <a:lvl1pPr algn="l" defTabSz="914400" rtl="0" eaLnBrk="1" latinLnBrk="0" hangingPunct="1">
-              <a:lnSpc>
-                <a:spcPct val="90000"/>
-              </a:lnSpc>
-              <a:spcBef>
-                <a:spcPct val="0"/>
-              </a:spcBef>
-              <a:buNone/>
-              <a:defRPr sz="4400" kern="1200">
-                <a:solidFill>
-                  <a:schemeClr val="tx1"/>
-                </a:solidFill>
-                <a:latin typeface="+mj-lt"/>
-                <a:ea typeface="+mj-ea"/>
-                <a:cs typeface="+mj-cs"/>
-              </a:defRPr>
-            </a:lvl1pPr>
-          </a:lstStyle>
-          <a:p>
-            <a:r>
-              <a:rPr lang="zh-TW" altLang="en-US" sz="1800" dirty="0">
-                <a:latin typeface="Noto Sans TC" panose="020B0200000000000000" pitchFamily="34" charset="-120"/>
-                <a:ea typeface="Noto Sans TC" panose="020B0200000000000000" pitchFamily="34" charset="-120"/>
-              </a:rPr>
-              <a:t>登入、創建、所有資訊整合</a:t>
-            </a:r>
-          </a:p>
-        </p:txBody>
-      </p:sp>
       <p:pic>
         <p:nvPicPr>
-          <p:cNvPr id="9" name="圖片 8" descr="一張含有 文字, 螢幕擷取畫面, 字型, 標誌 的圖片&#10;&#10;自動產生的描述">
-            <a:extLst>
-              <a:ext uri="{FF2B5EF4-FFF2-40B4-BE49-F238E27FC236}">
-                <a16:creationId xmlns:a16="http://schemas.microsoft.com/office/drawing/2014/main" id="{143D4EF7-E096-3454-E732-3590369ED452}"/>
+          <p:cNvPr id="10" name="圖片 9" descr="一張含有 傢俱, 螢幕擷取畫面, 資料表, 建築 的圖片&#10;&#10;自動產生的描述">
+            <a:extLst>
+              <a:ext uri="{FF2B5EF4-FFF2-40B4-BE49-F238E27FC236}">
+                <a16:creationId xmlns:a16="http://schemas.microsoft.com/office/drawing/2014/main" id="{2B27E356-29CF-2DCF-0DEA-E4EBBAF435AD}"/>
               </a:ext>
             </a:extLst>
           </p:cNvPr>
@@ -5287,8 +5126,8 @@
         </p:blipFill>
         <p:spPr>
           <a:xfrm>
-            <a:off x="976400" y="1709348"/>
-            <a:ext cx="2846689" cy="3227699"/>
+            <a:off x="5450400" y="1569101"/>
+            <a:ext cx="2533310" cy="4501903"/>
           </a:xfrm>
           <a:prstGeom prst="rect">
             <a:avLst/>
@@ -5297,10 +5136,10 @@
       </p:pic>
       <p:pic>
         <p:nvPicPr>
-          <p:cNvPr id="16" name="圖片 15">
-            <a:extLst>
-              <a:ext uri="{FF2B5EF4-FFF2-40B4-BE49-F238E27FC236}">
-                <a16:creationId xmlns:a16="http://schemas.microsoft.com/office/drawing/2014/main" id="{9D491C38-F341-2F00-4D30-17AFDB72154C}"/>
+          <p:cNvPr id="12" name="圖片 11" descr="一張含有 服裝, 人員, 男人, 天花板 的圖片&#10;&#10;自動產生的描述">
+            <a:extLst>
+              <a:ext uri="{FF2B5EF4-FFF2-40B4-BE49-F238E27FC236}">
+                <a16:creationId xmlns:a16="http://schemas.microsoft.com/office/drawing/2014/main" id="{5DA08540-E093-8318-15EC-6DC1C2DDCFEE}"/>
               </a:ext>
             </a:extLst>
           </p:cNvPr>
@@ -5309,16 +5148,21 @@
           </p:cNvPicPr>
           <p:nvPr/>
         </p:nvPicPr>
-        <p:blipFill>
-          <a:blip r:embed="rId3"/>
-          <a:stretch>
-            <a:fillRect/>
-          </a:stretch>
+        <p:blipFill rotWithShape="1">
+          <a:blip r:embed="rId3">
+            <a:extLst>
+              <a:ext uri="{28A0092B-C50C-407E-A947-70E740481C1C}">
+                <a14:useLocalDpi xmlns:a14="http://schemas.microsoft.com/office/drawing/2010/main" val="0"/>
+              </a:ext>
+            </a:extLst>
+          </a:blip>
+          <a:srcRect l="5846" t="24828" r="7866"/>
+          <a:stretch/>
         </p:blipFill>
         <p:spPr>
           <a:xfrm>
-            <a:off x="4675359" y="1815150"/>
-            <a:ext cx="4401252" cy="1325284"/>
+            <a:off x="484922" y="1898342"/>
+            <a:ext cx="4859875" cy="2382445"/>
           </a:xfrm>
           <a:prstGeom prst="rect">
             <a:avLst/>
@@ -5327,10 +5171,10 @@
       </p:pic>
       <p:pic>
         <p:nvPicPr>
-          <p:cNvPr id="20" name="圖片 19" descr="一張含有 文字, 螢幕擷取畫面, 多媒體, 軟體 的圖片&#10;&#10;自動產生的描述">
-            <a:extLst>
-              <a:ext uri="{FF2B5EF4-FFF2-40B4-BE49-F238E27FC236}">
-                <a16:creationId xmlns:a16="http://schemas.microsoft.com/office/drawing/2014/main" id="{296B8E3E-5FC1-B28C-C488-0D24D4CC180D}"/>
+          <p:cNvPr id="14" name="圖片 13" descr="一張含有 室內, 螢幕擷取畫面, 牆, 平鋪磚瓦 的圖片&#10;&#10;自動產生的描述">
+            <a:extLst>
+              <a:ext uri="{FF2B5EF4-FFF2-40B4-BE49-F238E27FC236}">
+                <a16:creationId xmlns:a16="http://schemas.microsoft.com/office/drawing/2014/main" id="{C83EF4AA-222E-919E-39BF-AC05C8F33724}"/>
               </a:ext>
             </a:extLst>
           </p:cNvPr>
@@ -5353,459 +5197,18 @@
         </p:blipFill>
         <p:spPr>
           <a:xfrm>
-            <a:off x="4675359" y="3667102"/>
-            <a:ext cx="4401252" cy="2603658"/>
+            <a:off x="8194916" y="1569100"/>
+            <a:ext cx="2533310" cy="4501903"/>
           </a:xfrm>
           <a:prstGeom prst="rect">
             <a:avLst/>
           </a:prstGeom>
         </p:spPr>
       </p:pic>
-      <p:sp>
-        <p:nvSpPr>
-          <p:cNvPr id="22" name="矩形 21">
-            <a:extLst>
-              <a:ext uri="{FF2B5EF4-FFF2-40B4-BE49-F238E27FC236}">
-                <a16:creationId xmlns:a16="http://schemas.microsoft.com/office/drawing/2014/main" id="{EE555C63-531C-52EF-834C-E31E99F0D00E}"/>
-              </a:ext>
-            </a:extLst>
-          </p:cNvPr>
-          <p:cNvSpPr/>
-          <p:nvPr/>
-        </p:nvSpPr>
-        <p:spPr>
-          <a:xfrm>
-            <a:off x="9168677" y="2221501"/>
-            <a:ext cx="2335819" cy="340508"/>
-          </a:xfrm>
-          <a:prstGeom prst="rect">
-            <a:avLst/>
-          </a:prstGeom>
-        </p:spPr>
-        <p:style>
-          <a:lnRef idx="2">
-            <a:schemeClr val="dk1">
-              <a:shade val="50000"/>
-            </a:schemeClr>
-          </a:lnRef>
-          <a:fillRef idx="1">
-            <a:schemeClr val="dk1"/>
-          </a:fillRef>
-          <a:effectRef idx="0">
-            <a:schemeClr val="dk1"/>
-          </a:effectRef>
-          <a:fontRef idx="minor">
-            <a:schemeClr val="lt1"/>
-          </a:fontRef>
-        </p:style>
-        <p:txBody>
-          <a:bodyPr rtlCol="0" anchor="ctr"/>
-          <a:lstStyle/>
-          <a:p>
-            <a:pPr algn="ctr"/>
-            <a:endParaRPr lang="zh-TW" altLang="en-US" dirty="0"/>
-          </a:p>
-        </p:txBody>
-      </p:sp>
-      <p:sp>
-        <p:nvSpPr>
-          <p:cNvPr id="24" name="矩形 23">
-            <a:extLst>
-              <a:ext uri="{FF2B5EF4-FFF2-40B4-BE49-F238E27FC236}">
-                <a16:creationId xmlns:a16="http://schemas.microsoft.com/office/drawing/2014/main" id="{BF35819D-3B03-2544-B5B8-C947DD413D18}"/>
-              </a:ext>
-            </a:extLst>
-          </p:cNvPr>
-          <p:cNvSpPr/>
-          <p:nvPr/>
-        </p:nvSpPr>
-        <p:spPr>
-          <a:xfrm>
-            <a:off x="9551102" y="2146861"/>
-            <a:ext cx="1780062" cy="340508"/>
-          </a:xfrm>
-          <a:prstGeom prst="rect">
-            <a:avLst/>
-          </a:prstGeom>
-          <a:solidFill>
-            <a:schemeClr val="bg1"/>
-          </a:solidFill>
-          <a:ln>
-            <a:solidFill>
-              <a:schemeClr val="bg1"/>
-            </a:solidFill>
-          </a:ln>
-        </p:spPr>
-        <p:style>
-          <a:lnRef idx="2">
-            <a:schemeClr val="dk1">
-              <a:shade val="50000"/>
-            </a:schemeClr>
-          </a:lnRef>
-          <a:fillRef idx="1">
-            <a:schemeClr val="dk1"/>
-          </a:fillRef>
-          <a:effectRef idx="0">
-            <a:schemeClr val="dk1"/>
-          </a:effectRef>
-          <a:fontRef idx="minor">
-            <a:schemeClr val="lt1"/>
-          </a:fontRef>
-        </p:style>
-        <p:txBody>
-          <a:bodyPr rtlCol="0" anchor="ctr"/>
-          <a:lstStyle/>
-          <a:p>
-            <a:pPr algn="ctr"/>
-            <a:endParaRPr lang="zh-TW" altLang="en-US" dirty="0"/>
-          </a:p>
-        </p:txBody>
-      </p:sp>
-      <p:sp>
-        <p:nvSpPr>
-          <p:cNvPr id="26" name="標題 1">
-            <a:extLst>
-              <a:ext uri="{FF2B5EF4-FFF2-40B4-BE49-F238E27FC236}">
-                <a16:creationId xmlns:a16="http://schemas.microsoft.com/office/drawing/2014/main" id="{CBD48DCC-8848-8BA3-CE92-DD5EC82C5D2C}"/>
-              </a:ext>
-            </a:extLst>
-          </p:cNvPr>
-          <p:cNvSpPr txBox="1">
-            <a:spLocks/>
-          </p:cNvSpPr>
-          <p:nvPr/>
-        </p:nvSpPr>
-        <p:spPr>
-          <a:xfrm>
-            <a:off x="9551102" y="2054383"/>
-            <a:ext cx="1953394" cy="532048"/>
-          </a:xfrm>
-          <a:prstGeom prst="rect">
-            <a:avLst/>
-          </a:prstGeom>
-        </p:spPr>
-        <p:txBody>
-          <a:bodyPr vert="horz" lIns="91440" tIns="45720" rIns="91440" bIns="45720" rtlCol="0" anchor="ctr">
-            <a:normAutofit/>
-          </a:bodyPr>
-          <a:lstStyle>
-            <a:lvl1pPr algn="l" defTabSz="914400" rtl="0" eaLnBrk="1" latinLnBrk="0" hangingPunct="1">
-              <a:lnSpc>
-                <a:spcPct val="90000"/>
-              </a:lnSpc>
-              <a:spcBef>
-                <a:spcPct val="0"/>
-              </a:spcBef>
-              <a:buNone/>
-              <a:defRPr sz="4400" kern="1200">
-                <a:solidFill>
-                  <a:schemeClr val="tx1"/>
-                </a:solidFill>
-                <a:latin typeface="+mj-lt"/>
-                <a:ea typeface="+mj-ea"/>
-                <a:cs typeface="+mj-cs"/>
-              </a:defRPr>
-            </a:lvl1pPr>
-          </a:lstStyle>
-          <a:p>
-            <a:r>
-              <a:rPr lang="zh-TW" altLang="en-US" sz="1800" dirty="0">
-                <a:latin typeface="Noto Sans TC" panose="020B0200000000000000" pitchFamily="34" charset="-120"/>
-                <a:ea typeface="Noto Sans TC" panose="020B0200000000000000" pitchFamily="34" charset="-120"/>
-              </a:rPr>
-              <a:t>提示</a:t>
-            </a:r>
-          </a:p>
-        </p:txBody>
-      </p:sp>
-      <p:sp>
-        <p:nvSpPr>
-          <p:cNvPr id="33" name="標題 1">
-            <a:extLst>
-              <a:ext uri="{FF2B5EF4-FFF2-40B4-BE49-F238E27FC236}">
-                <a16:creationId xmlns:a16="http://schemas.microsoft.com/office/drawing/2014/main" id="{A7F96328-4752-DFB6-E18D-81C49F57EE63}"/>
-              </a:ext>
-            </a:extLst>
-          </p:cNvPr>
-          <p:cNvSpPr txBox="1">
-            <a:spLocks/>
-          </p:cNvSpPr>
-          <p:nvPr/>
-        </p:nvSpPr>
-        <p:spPr>
-          <a:xfrm>
-            <a:off x="9168676" y="2608386"/>
-            <a:ext cx="2973559" cy="532048"/>
-          </a:xfrm>
-          <a:prstGeom prst="rect">
-            <a:avLst/>
-          </a:prstGeom>
-        </p:spPr>
-        <p:txBody>
-          <a:bodyPr vert="horz" lIns="91440" tIns="45720" rIns="91440" bIns="45720" rtlCol="0" anchor="ctr">
-            <a:normAutofit/>
-          </a:bodyPr>
-          <a:lstStyle>
-            <a:lvl1pPr algn="l" defTabSz="914400" rtl="0" eaLnBrk="1" latinLnBrk="0" hangingPunct="1">
-              <a:lnSpc>
-                <a:spcPct val="90000"/>
-              </a:lnSpc>
-              <a:spcBef>
-                <a:spcPct val="0"/>
-              </a:spcBef>
-              <a:buNone/>
-              <a:defRPr sz="4400" kern="1200">
-                <a:solidFill>
-                  <a:schemeClr val="tx1"/>
-                </a:solidFill>
-                <a:latin typeface="+mj-lt"/>
-                <a:ea typeface="+mj-ea"/>
-                <a:cs typeface="+mj-cs"/>
-              </a:defRPr>
-            </a:lvl1pPr>
-          </a:lstStyle>
-          <a:p>
-            <a:r>
-              <a:rPr lang="zh-TW" altLang="en-US" sz="1800" dirty="0">
-                <a:latin typeface="Noto Sans TC" panose="020B0200000000000000" pitchFamily="34" charset="-120"/>
-                <a:ea typeface="Noto Sans TC" panose="020B0200000000000000" pitchFamily="34" charset="-120"/>
-              </a:rPr>
-              <a:t>用攝影相關名言作為提示</a:t>
-            </a:r>
-          </a:p>
-        </p:txBody>
-      </p:sp>
-      <p:sp>
-        <p:nvSpPr>
-          <p:cNvPr id="53" name="矩形 52">
-            <a:extLst>
-              <a:ext uri="{FF2B5EF4-FFF2-40B4-BE49-F238E27FC236}">
-                <a16:creationId xmlns:a16="http://schemas.microsoft.com/office/drawing/2014/main" id="{646E45FF-CA31-08BC-E271-5080FDF3F518}"/>
-              </a:ext>
-            </a:extLst>
-          </p:cNvPr>
-          <p:cNvSpPr/>
-          <p:nvPr/>
-        </p:nvSpPr>
-        <p:spPr>
-          <a:xfrm>
-            <a:off x="9168676" y="4937047"/>
-            <a:ext cx="2335819" cy="340508"/>
-          </a:xfrm>
-          <a:prstGeom prst="rect">
-            <a:avLst/>
-          </a:prstGeom>
-        </p:spPr>
-        <p:style>
-          <a:lnRef idx="2">
-            <a:schemeClr val="dk1">
-              <a:shade val="50000"/>
-            </a:schemeClr>
-          </a:lnRef>
-          <a:fillRef idx="1">
-            <a:schemeClr val="dk1"/>
-          </a:fillRef>
-          <a:effectRef idx="0">
-            <a:schemeClr val="dk1"/>
-          </a:effectRef>
-          <a:fontRef idx="minor">
-            <a:schemeClr val="lt1"/>
-          </a:fontRef>
-        </p:style>
-        <p:txBody>
-          <a:bodyPr rtlCol="0" anchor="ctr"/>
-          <a:lstStyle/>
-          <a:p>
-            <a:pPr algn="ctr"/>
-            <a:endParaRPr lang="zh-TW" altLang="en-US" dirty="0"/>
-          </a:p>
-        </p:txBody>
-      </p:sp>
-      <p:sp>
-        <p:nvSpPr>
-          <p:cNvPr id="54" name="矩形 53">
-            <a:extLst>
-              <a:ext uri="{FF2B5EF4-FFF2-40B4-BE49-F238E27FC236}">
-                <a16:creationId xmlns:a16="http://schemas.microsoft.com/office/drawing/2014/main" id="{4422DE9D-DC74-EB65-FC95-84CEDFA8EFCA}"/>
-              </a:ext>
-            </a:extLst>
-          </p:cNvPr>
-          <p:cNvSpPr/>
-          <p:nvPr/>
-        </p:nvSpPr>
-        <p:spPr>
-          <a:xfrm>
-            <a:off x="9551101" y="4862407"/>
-            <a:ext cx="1780062" cy="340508"/>
-          </a:xfrm>
-          <a:prstGeom prst="rect">
-            <a:avLst/>
-          </a:prstGeom>
-          <a:solidFill>
-            <a:schemeClr val="bg1"/>
-          </a:solidFill>
-          <a:ln>
-            <a:solidFill>
-              <a:schemeClr val="bg1"/>
-            </a:solidFill>
-          </a:ln>
-        </p:spPr>
-        <p:style>
-          <a:lnRef idx="2">
-            <a:schemeClr val="dk1">
-              <a:shade val="50000"/>
-            </a:schemeClr>
-          </a:lnRef>
-          <a:fillRef idx="1">
-            <a:schemeClr val="dk1"/>
-          </a:fillRef>
-          <a:effectRef idx="0">
-            <a:schemeClr val="dk1"/>
-          </a:effectRef>
-          <a:fontRef idx="minor">
-            <a:schemeClr val="lt1"/>
-          </a:fontRef>
-        </p:style>
-        <p:txBody>
-          <a:bodyPr rtlCol="0" anchor="ctr"/>
-          <a:lstStyle/>
-          <a:p>
-            <a:pPr algn="ctr"/>
-            <a:endParaRPr lang="zh-TW" altLang="en-US" dirty="0"/>
-          </a:p>
-        </p:txBody>
-      </p:sp>
-      <p:sp>
-        <p:nvSpPr>
-          <p:cNvPr id="55" name="標題 1">
-            <a:extLst>
-              <a:ext uri="{FF2B5EF4-FFF2-40B4-BE49-F238E27FC236}">
-                <a16:creationId xmlns:a16="http://schemas.microsoft.com/office/drawing/2014/main" id="{EF1A5AB3-3652-10F4-CAE6-513DDCDBB9FC}"/>
-              </a:ext>
-            </a:extLst>
-          </p:cNvPr>
-          <p:cNvSpPr txBox="1">
-            <a:spLocks/>
-          </p:cNvSpPr>
-          <p:nvPr/>
-        </p:nvSpPr>
-        <p:spPr>
-          <a:xfrm>
-            <a:off x="9551101" y="4769929"/>
-            <a:ext cx="1953394" cy="532048"/>
-          </a:xfrm>
-          <a:prstGeom prst="rect">
-            <a:avLst/>
-          </a:prstGeom>
-        </p:spPr>
-        <p:txBody>
-          <a:bodyPr vert="horz" lIns="91440" tIns="45720" rIns="91440" bIns="45720" rtlCol="0" anchor="ctr">
-            <a:normAutofit/>
-          </a:bodyPr>
-          <a:lstStyle>
-            <a:lvl1pPr algn="l" defTabSz="914400" rtl="0" eaLnBrk="1" latinLnBrk="0" hangingPunct="1">
-              <a:lnSpc>
-                <a:spcPct val="90000"/>
-              </a:lnSpc>
-              <a:spcBef>
-                <a:spcPct val="0"/>
-              </a:spcBef>
-              <a:buNone/>
-              <a:defRPr sz="4400" kern="1200">
-                <a:solidFill>
-                  <a:schemeClr val="tx1"/>
-                </a:solidFill>
-                <a:latin typeface="+mj-lt"/>
-                <a:ea typeface="+mj-ea"/>
-                <a:cs typeface="+mj-cs"/>
-              </a:defRPr>
-            </a:lvl1pPr>
-          </a:lstStyle>
-          <a:p>
-            <a:r>
-              <a:rPr lang="zh-TW" altLang="en-US" sz="1800" dirty="0">
-                <a:latin typeface="Noto Sans TC" panose="020B0200000000000000" pitchFamily="34" charset="-120"/>
-                <a:ea typeface="Noto Sans TC" panose="020B0200000000000000" pitchFamily="34" charset="-120"/>
-              </a:rPr>
-              <a:t>通關輸入</a:t>
-            </a:r>
-          </a:p>
-        </p:txBody>
-      </p:sp>
-      <p:sp>
-        <p:nvSpPr>
-          <p:cNvPr id="56" name="標題 1">
-            <a:extLst>
-              <a:ext uri="{FF2B5EF4-FFF2-40B4-BE49-F238E27FC236}">
-                <a16:creationId xmlns:a16="http://schemas.microsoft.com/office/drawing/2014/main" id="{191A1979-75F5-F04E-D440-450040F34310}"/>
-              </a:ext>
-            </a:extLst>
-          </p:cNvPr>
-          <p:cNvSpPr txBox="1">
-            <a:spLocks/>
-          </p:cNvSpPr>
-          <p:nvPr/>
-        </p:nvSpPr>
-        <p:spPr>
-          <a:xfrm>
-            <a:off x="9168675" y="5323932"/>
-            <a:ext cx="2973559" cy="532048"/>
-          </a:xfrm>
-          <a:prstGeom prst="rect">
-            <a:avLst/>
-          </a:prstGeom>
-        </p:spPr>
-        <p:txBody>
-          <a:bodyPr vert="horz" lIns="91440" tIns="45720" rIns="91440" bIns="45720" rtlCol="0" anchor="ctr">
-            <a:normAutofit lnSpcReduction="10000"/>
-          </a:bodyPr>
-          <a:lstStyle>
-            <a:lvl1pPr algn="l" defTabSz="914400" rtl="0" eaLnBrk="1" latinLnBrk="0" hangingPunct="1">
-              <a:lnSpc>
-                <a:spcPct val="90000"/>
-              </a:lnSpc>
-              <a:spcBef>
-                <a:spcPct val="0"/>
-              </a:spcBef>
-              <a:buNone/>
-              <a:defRPr sz="4400" kern="1200">
-                <a:solidFill>
-                  <a:schemeClr val="tx1"/>
-                </a:solidFill>
-                <a:latin typeface="+mj-lt"/>
-                <a:ea typeface="+mj-ea"/>
-                <a:cs typeface="+mj-cs"/>
-              </a:defRPr>
-            </a:lvl1pPr>
-          </a:lstStyle>
-          <a:p>
-            <a:r>
-              <a:rPr lang="zh-TW" altLang="en-US" sz="1800" dirty="0">
-                <a:latin typeface="Noto Sans TC" panose="020B0200000000000000" pitchFamily="34" charset="-120"/>
-                <a:ea typeface="Noto Sans TC" panose="020B0200000000000000" pitchFamily="34" charset="-120"/>
-              </a:rPr>
-              <a:t>找到場上的密碼或</a:t>
-            </a:r>
-            <a:endParaRPr lang="en-US" altLang="zh-TW" sz="1800" dirty="0">
-              <a:latin typeface="Noto Sans TC" panose="020B0200000000000000" pitchFamily="34" charset="-120"/>
-              <a:ea typeface="Noto Sans TC" panose="020B0200000000000000" pitchFamily="34" charset="-120"/>
-            </a:endParaRPr>
-          </a:p>
-          <a:p>
-            <a:r>
-              <a:rPr lang="zh-TW" altLang="en-US" sz="1800" dirty="0">
-                <a:latin typeface="Noto Sans TC" panose="020B0200000000000000" pitchFamily="34" charset="-120"/>
-                <a:ea typeface="Noto Sans TC" panose="020B0200000000000000" pitchFamily="34" charset="-120"/>
-              </a:rPr>
-              <a:t>相對應文字</a:t>
-            </a:r>
-          </a:p>
-        </p:txBody>
-      </p:sp>
     </p:spTree>
     <p:extLst>
       <p:ext uri="{BB962C8B-B14F-4D97-AF65-F5344CB8AC3E}">
-        <p14:creationId xmlns:p14="http://schemas.microsoft.com/office/powerpoint/2010/main" val="3201938454"/>
+        <p14:creationId xmlns:p14="http://schemas.microsoft.com/office/powerpoint/2010/main" val="2156619173"/>
       </p:ext>
     </p:extLst>
   </p:cSld>
@@ -5937,11 +5340,11 @@
           </a:lstStyle>
           <a:p>
             <a:r>
-              <a:rPr lang="zh-TW" altLang="en-US" sz="3200" dirty="0">
+              <a:rPr lang="zh-TW" altLang="en-US" sz="3600" dirty="0">
                 <a:latin typeface="Noto Sans TC" panose="020B0200000000000000" pitchFamily="34" charset="-120"/>
                 <a:ea typeface="Noto Sans TC" panose="020B0200000000000000" pitchFamily="34" charset="-120"/>
               </a:rPr>
-              <a:t>系統結構</a:t>
+              <a:t>介面</a:t>
             </a:r>
           </a:p>
         </p:txBody>
@@ -6108,6 +5511,1069 @@
           </a:p>
         </p:txBody>
       </p:sp>
+      <p:sp>
+        <p:nvSpPr>
+          <p:cNvPr id="11" name="矩形 10">
+            <a:extLst>
+              <a:ext uri="{FF2B5EF4-FFF2-40B4-BE49-F238E27FC236}">
+                <a16:creationId xmlns:a16="http://schemas.microsoft.com/office/drawing/2014/main" id="{6E390E0F-4976-8622-BB6E-AD546DF10FA2}"/>
+              </a:ext>
+            </a:extLst>
+          </p:cNvPr>
+          <p:cNvSpPr/>
+          <p:nvPr/>
+        </p:nvSpPr>
+        <p:spPr>
+          <a:xfrm>
+            <a:off x="976400" y="5234567"/>
+            <a:ext cx="2335819" cy="340508"/>
+          </a:xfrm>
+          <a:prstGeom prst="rect">
+            <a:avLst/>
+          </a:prstGeom>
+        </p:spPr>
+        <p:style>
+          <a:lnRef idx="2">
+            <a:schemeClr val="dk1">
+              <a:shade val="50000"/>
+            </a:schemeClr>
+          </a:lnRef>
+          <a:fillRef idx="1">
+            <a:schemeClr val="dk1"/>
+          </a:fillRef>
+          <a:effectRef idx="0">
+            <a:schemeClr val="dk1"/>
+          </a:effectRef>
+          <a:fontRef idx="minor">
+            <a:schemeClr val="lt1"/>
+          </a:fontRef>
+        </p:style>
+        <p:txBody>
+          <a:bodyPr rtlCol="0" anchor="ctr"/>
+          <a:lstStyle/>
+          <a:p>
+            <a:pPr algn="ctr"/>
+            <a:endParaRPr lang="zh-TW" altLang="en-US" dirty="0"/>
+          </a:p>
+        </p:txBody>
+      </p:sp>
+      <p:sp>
+        <p:nvSpPr>
+          <p:cNvPr id="12" name="矩形 11">
+            <a:extLst>
+              <a:ext uri="{FF2B5EF4-FFF2-40B4-BE49-F238E27FC236}">
+                <a16:creationId xmlns:a16="http://schemas.microsoft.com/office/drawing/2014/main" id="{E1C123DC-DDB0-2494-2973-32ECE4AB26A1}"/>
+              </a:ext>
+            </a:extLst>
+          </p:cNvPr>
+          <p:cNvSpPr/>
+          <p:nvPr/>
+        </p:nvSpPr>
+        <p:spPr>
+          <a:xfrm>
+            <a:off x="1358825" y="5159927"/>
+            <a:ext cx="1780062" cy="340508"/>
+          </a:xfrm>
+          <a:prstGeom prst="rect">
+            <a:avLst/>
+          </a:prstGeom>
+          <a:solidFill>
+            <a:schemeClr val="bg1"/>
+          </a:solidFill>
+          <a:ln>
+            <a:solidFill>
+              <a:schemeClr val="bg1"/>
+            </a:solidFill>
+          </a:ln>
+        </p:spPr>
+        <p:style>
+          <a:lnRef idx="2">
+            <a:schemeClr val="dk1">
+              <a:shade val="50000"/>
+            </a:schemeClr>
+          </a:lnRef>
+          <a:fillRef idx="1">
+            <a:schemeClr val="dk1"/>
+          </a:fillRef>
+          <a:effectRef idx="0">
+            <a:schemeClr val="dk1"/>
+          </a:effectRef>
+          <a:fontRef idx="minor">
+            <a:schemeClr val="lt1"/>
+          </a:fontRef>
+        </p:style>
+        <p:txBody>
+          <a:bodyPr rtlCol="0" anchor="ctr"/>
+          <a:lstStyle/>
+          <a:p>
+            <a:pPr algn="ctr"/>
+            <a:endParaRPr lang="zh-TW" altLang="en-US" dirty="0"/>
+          </a:p>
+        </p:txBody>
+      </p:sp>
+      <p:sp>
+        <p:nvSpPr>
+          <p:cNvPr id="19" name="標題 1">
+            <a:extLst>
+              <a:ext uri="{FF2B5EF4-FFF2-40B4-BE49-F238E27FC236}">
+                <a16:creationId xmlns:a16="http://schemas.microsoft.com/office/drawing/2014/main" id="{D7AC36E8-4823-45DB-21CD-53B7D5091147}"/>
+              </a:ext>
+            </a:extLst>
+          </p:cNvPr>
+          <p:cNvSpPr txBox="1">
+            <a:spLocks/>
+          </p:cNvSpPr>
+          <p:nvPr/>
+        </p:nvSpPr>
+        <p:spPr>
+          <a:xfrm>
+            <a:off x="1358825" y="5067449"/>
+            <a:ext cx="1953394" cy="532048"/>
+          </a:xfrm>
+          <a:prstGeom prst="rect">
+            <a:avLst/>
+          </a:prstGeom>
+        </p:spPr>
+        <p:txBody>
+          <a:bodyPr vert="horz" lIns="91440" tIns="45720" rIns="91440" bIns="45720" rtlCol="0" anchor="ctr">
+            <a:normAutofit/>
+          </a:bodyPr>
+          <a:lstStyle>
+            <a:lvl1pPr algn="l" defTabSz="914400" rtl="0" eaLnBrk="1" latinLnBrk="0" hangingPunct="1">
+              <a:lnSpc>
+                <a:spcPct val="90000"/>
+              </a:lnSpc>
+              <a:spcBef>
+                <a:spcPct val="0"/>
+              </a:spcBef>
+              <a:buNone/>
+              <a:defRPr sz="4400" kern="1200">
+                <a:solidFill>
+                  <a:schemeClr val="tx1"/>
+                </a:solidFill>
+                <a:latin typeface="+mj-lt"/>
+                <a:ea typeface="+mj-ea"/>
+                <a:cs typeface="+mj-cs"/>
+              </a:defRPr>
+            </a:lvl1pPr>
+          </a:lstStyle>
+          <a:p>
+            <a:r>
+              <a:rPr lang="zh-TW" altLang="en-US" sz="1800" dirty="0">
+                <a:latin typeface="Noto Sans TC" panose="020B0200000000000000" pitchFamily="34" charset="-120"/>
+                <a:ea typeface="Noto Sans TC" panose="020B0200000000000000" pitchFamily="34" charset="-120"/>
+              </a:rPr>
+              <a:t>起始畫面</a:t>
+            </a:r>
+          </a:p>
+        </p:txBody>
+      </p:sp>
+      <p:sp>
+        <p:nvSpPr>
+          <p:cNvPr id="28" name="標題 1">
+            <a:extLst>
+              <a:ext uri="{FF2B5EF4-FFF2-40B4-BE49-F238E27FC236}">
+                <a16:creationId xmlns:a16="http://schemas.microsoft.com/office/drawing/2014/main" id="{08904118-3FB9-FFEC-BFB0-6DA067CC6191}"/>
+              </a:ext>
+            </a:extLst>
+          </p:cNvPr>
+          <p:cNvSpPr txBox="1">
+            <a:spLocks/>
+          </p:cNvSpPr>
+          <p:nvPr/>
+        </p:nvSpPr>
+        <p:spPr>
+          <a:xfrm>
+            <a:off x="976399" y="5621452"/>
+            <a:ext cx="2973559" cy="532048"/>
+          </a:xfrm>
+          <a:prstGeom prst="rect">
+            <a:avLst/>
+          </a:prstGeom>
+        </p:spPr>
+        <p:txBody>
+          <a:bodyPr vert="horz" lIns="91440" tIns="45720" rIns="91440" bIns="45720" rtlCol="0" anchor="ctr">
+            <a:normAutofit/>
+          </a:bodyPr>
+          <a:lstStyle>
+            <a:lvl1pPr algn="l" defTabSz="914400" rtl="0" eaLnBrk="1" latinLnBrk="0" hangingPunct="1">
+              <a:lnSpc>
+                <a:spcPct val="90000"/>
+              </a:lnSpc>
+              <a:spcBef>
+                <a:spcPct val="0"/>
+              </a:spcBef>
+              <a:buNone/>
+              <a:defRPr sz="4400" kern="1200">
+                <a:solidFill>
+                  <a:schemeClr val="tx1"/>
+                </a:solidFill>
+                <a:latin typeface="+mj-lt"/>
+                <a:ea typeface="+mj-ea"/>
+                <a:cs typeface="+mj-cs"/>
+              </a:defRPr>
+            </a:lvl1pPr>
+          </a:lstStyle>
+          <a:p>
+            <a:r>
+              <a:rPr lang="zh-TW" altLang="en-US" sz="1800" dirty="0">
+                <a:latin typeface="Noto Sans TC" panose="020B0200000000000000" pitchFamily="34" charset="-120"/>
+                <a:ea typeface="Noto Sans TC" panose="020B0200000000000000" pitchFamily="34" charset="-120"/>
+              </a:rPr>
+              <a:t>登入、創建、所有資訊整合</a:t>
+            </a:r>
+          </a:p>
+        </p:txBody>
+      </p:sp>
+      <p:pic>
+        <p:nvPicPr>
+          <p:cNvPr id="9" name="圖片 8" descr="一張含有 文字, 螢幕擷取畫面, 字型, 標誌 的圖片&#10;&#10;自動產生的描述">
+            <a:extLst>
+              <a:ext uri="{FF2B5EF4-FFF2-40B4-BE49-F238E27FC236}">
+                <a16:creationId xmlns:a16="http://schemas.microsoft.com/office/drawing/2014/main" id="{143D4EF7-E096-3454-E732-3590369ED452}"/>
+              </a:ext>
+            </a:extLst>
+          </p:cNvPr>
+          <p:cNvPicPr>
+            <a:picLocks noChangeAspect="1"/>
+          </p:cNvPicPr>
+          <p:nvPr/>
+        </p:nvPicPr>
+        <p:blipFill>
+          <a:blip r:embed="rId2">
+            <a:extLst>
+              <a:ext uri="{28A0092B-C50C-407E-A947-70E740481C1C}">
+                <a14:useLocalDpi xmlns:a14="http://schemas.microsoft.com/office/drawing/2010/main" val="0"/>
+              </a:ext>
+            </a:extLst>
+          </a:blip>
+          <a:stretch>
+            <a:fillRect/>
+          </a:stretch>
+        </p:blipFill>
+        <p:spPr>
+          <a:xfrm>
+            <a:off x="976400" y="1709348"/>
+            <a:ext cx="2846689" cy="3227699"/>
+          </a:xfrm>
+          <a:prstGeom prst="rect">
+            <a:avLst/>
+          </a:prstGeom>
+        </p:spPr>
+      </p:pic>
+      <p:pic>
+        <p:nvPicPr>
+          <p:cNvPr id="16" name="圖片 15">
+            <a:extLst>
+              <a:ext uri="{FF2B5EF4-FFF2-40B4-BE49-F238E27FC236}">
+                <a16:creationId xmlns:a16="http://schemas.microsoft.com/office/drawing/2014/main" id="{9D491C38-F341-2F00-4D30-17AFDB72154C}"/>
+              </a:ext>
+            </a:extLst>
+          </p:cNvPr>
+          <p:cNvPicPr>
+            <a:picLocks noChangeAspect="1"/>
+          </p:cNvPicPr>
+          <p:nvPr/>
+        </p:nvPicPr>
+        <p:blipFill>
+          <a:blip r:embed="rId3"/>
+          <a:stretch>
+            <a:fillRect/>
+          </a:stretch>
+        </p:blipFill>
+        <p:spPr>
+          <a:xfrm>
+            <a:off x="4675359" y="1815150"/>
+            <a:ext cx="4401252" cy="1325284"/>
+          </a:xfrm>
+          <a:prstGeom prst="rect">
+            <a:avLst/>
+          </a:prstGeom>
+        </p:spPr>
+      </p:pic>
+      <p:pic>
+        <p:nvPicPr>
+          <p:cNvPr id="20" name="圖片 19" descr="一張含有 文字, 螢幕擷取畫面, 多媒體, 軟體 的圖片&#10;&#10;自動產生的描述">
+            <a:extLst>
+              <a:ext uri="{FF2B5EF4-FFF2-40B4-BE49-F238E27FC236}">
+                <a16:creationId xmlns:a16="http://schemas.microsoft.com/office/drawing/2014/main" id="{296B8E3E-5FC1-B28C-C488-0D24D4CC180D}"/>
+              </a:ext>
+            </a:extLst>
+          </p:cNvPr>
+          <p:cNvPicPr>
+            <a:picLocks noChangeAspect="1"/>
+          </p:cNvPicPr>
+          <p:nvPr/>
+        </p:nvPicPr>
+        <p:blipFill>
+          <a:blip r:embed="rId4">
+            <a:extLst>
+              <a:ext uri="{28A0092B-C50C-407E-A947-70E740481C1C}">
+                <a14:useLocalDpi xmlns:a14="http://schemas.microsoft.com/office/drawing/2010/main" val="0"/>
+              </a:ext>
+            </a:extLst>
+          </a:blip>
+          <a:stretch>
+            <a:fillRect/>
+          </a:stretch>
+        </p:blipFill>
+        <p:spPr>
+          <a:xfrm>
+            <a:off x="4675359" y="3667102"/>
+            <a:ext cx="4401252" cy="2603658"/>
+          </a:xfrm>
+          <a:prstGeom prst="rect">
+            <a:avLst/>
+          </a:prstGeom>
+        </p:spPr>
+      </p:pic>
+      <p:sp>
+        <p:nvSpPr>
+          <p:cNvPr id="22" name="矩形 21">
+            <a:extLst>
+              <a:ext uri="{FF2B5EF4-FFF2-40B4-BE49-F238E27FC236}">
+                <a16:creationId xmlns:a16="http://schemas.microsoft.com/office/drawing/2014/main" id="{EE555C63-531C-52EF-834C-E31E99F0D00E}"/>
+              </a:ext>
+            </a:extLst>
+          </p:cNvPr>
+          <p:cNvSpPr/>
+          <p:nvPr/>
+        </p:nvSpPr>
+        <p:spPr>
+          <a:xfrm>
+            <a:off x="9168677" y="2221501"/>
+            <a:ext cx="2335819" cy="340508"/>
+          </a:xfrm>
+          <a:prstGeom prst="rect">
+            <a:avLst/>
+          </a:prstGeom>
+        </p:spPr>
+        <p:style>
+          <a:lnRef idx="2">
+            <a:schemeClr val="dk1">
+              <a:shade val="50000"/>
+            </a:schemeClr>
+          </a:lnRef>
+          <a:fillRef idx="1">
+            <a:schemeClr val="dk1"/>
+          </a:fillRef>
+          <a:effectRef idx="0">
+            <a:schemeClr val="dk1"/>
+          </a:effectRef>
+          <a:fontRef idx="minor">
+            <a:schemeClr val="lt1"/>
+          </a:fontRef>
+        </p:style>
+        <p:txBody>
+          <a:bodyPr rtlCol="0" anchor="ctr"/>
+          <a:lstStyle/>
+          <a:p>
+            <a:pPr algn="ctr"/>
+            <a:endParaRPr lang="zh-TW" altLang="en-US" dirty="0"/>
+          </a:p>
+        </p:txBody>
+      </p:sp>
+      <p:sp>
+        <p:nvSpPr>
+          <p:cNvPr id="24" name="矩形 23">
+            <a:extLst>
+              <a:ext uri="{FF2B5EF4-FFF2-40B4-BE49-F238E27FC236}">
+                <a16:creationId xmlns:a16="http://schemas.microsoft.com/office/drawing/2014/main" id="{BF35819D-3B03-2544-B5B8-C947DD413D18}"/>
+              </a:ext>
+            </a:extLst>
+          </p:cNvPr>
+          <p:cNvSpPr/>
+          <p:nvPr/>
+        </p:nvSpPr>
+        <p:spPr>
+          <a:xfrm>
+            <a:off x="9551102" y="2146861"/>
+            <a:ext cx="1780062" cy="340508"/>
+          </a:xfrm>
+          <a:prstGeom prst="rect">
+            <a:avLst/>
+          </a:prstGeom>
+          <a:solidFill>
+            <a:schemeClr val="bg1"/>
+          </a:solidFill>
+          <a:ln>
+            <a:solidFill>
+              <a:schemeClr val="bg1"/>
+            </a:solidFill>
+          </a:ln>
+        </p:spPr>
+        <p:style>
+          <a:lnRef idx="2">
+            <a:schemeClr val="dk1">
+              <a:shade val="50000"/>
+            </a:schemeClr>
+          </a:lnRef>
+          <a:fillRef idx="1">
+            <a:schemeClr val="dk1"/>
+          </a:fillRef>
+          <a:effectRef idx="0">
+            <a:schemeClr val="dk1"/>
+          </a:effectRef>
+          <a:fontRef idx="minor">
+            <a:schemeClr val="lt1"/>
+          </a:fontRef>
+        </p:style>
+        <p:txBody>
+          <a:bodyPr rtlCol="0" anchor="ctr"/>
+          <a:lstStyle/>
+          <a:p>
+            <a:pPr algn="ctr"/>
+            <a:endParaRPr lang="zh-TW" altLang="en-US" dirty="0"/>
+          </a:p>
+        </p:txBody>
+      </p:sp>
+      <p:sp>
+        <p:nvSpPr>
+          <p:cNvPr id="26" name="標題 1">
+            <a:extLst>
+              <a:ext uri="{FF2B5EF4-FFF2-40B4-BE49-F238E27FC236}">
+                <a16:creationId xmlns:a16="http://schemas.microsoft.com/office/drawing/2014/main" id="{CBD48DCC-8848-8BA3-CE92-DD5EC82C5D2C}"/>
+              </a:ext>
+            </a:extLst>
+          </p:cNvPr>
+          <p:cNvSpPr txBox="1">
+            <a:spLocks/>
+          </p:cNvSpPr>
+          <p:nvPr/>
+        </p:nvSpPr>
+        <p:spPr>
+          <a:xfrm>
+            <a:off x="9551102" y="2054383"/>
+            <a:ext cx="1953394" cy="532048"/>
+          </a:xfrm>
+          <a:prstGeom prst="rect">
+            <a:avLst/>
+          </a:prstGeom>
+        </p:spPr>
+        <p:txBody>
+          <a:bodyPr vert="horz" lIns="91440" tIns="45720" rIns="91440" bIns="45720" rtlCol="0" anchor="ctr">
+            <a:normAutofit/>
+          </a:bodyPr>
+          <a:lstStyle>
+            <a:lvl1pPr algn="l" defTabSz="914400" rtl="0" eaLnBrk="1" latinLnBrk="0" hangingPunct="1">
+              <a:lnSpc>
+                <a:spcPct val="90000"/>
+              </a:lnSpc>
+              <a:spcBef>
+                <a:spcPct val="0"/>
+              </a:spcBef>
+              <a:buNone/>
+              <a:defRPr sz="4400" kern="1200">
+                <a:solidFill>
+                  <a:schemeClr val="tx1"/>
+                </a:solidFill>
+                <a:latin typeface="+mj-lt"/>
+                <a:ea typeface="+mj-ea"/>
+                <a:cs typeface="+mj-cs"/>
+              </a:defRPr>
+            </a:lvl1pPr>
+          </a:lstStyle>
+          <a:p>
+            <a:r>
+              <a:rPr lang="zh-TW" altLang="en-US" sz="1800" dirty="0">
+                <a:latin typeface="Noto Sans TC" panose="020B0200000000000000" pitchFamily="34" charset="-120"/>
+                <a:ea typeface="Noto Sans TC" panose="020B0200000000000000" pitchFamily="34" charset="-120"/>
+              </a:rPr>
+              <a:t>提示</a:t>
+            </a:r>
+          </a:p>
+        </p:txBody>
+      </p:sp>
+      <p:sp>
+        <p:nvSpPr>
+          <p:cNvPr id="33" name="標題 1">
+            <a:extLst>
+              <a:ext uri="{FF2B5EF4-FFF2-40B4-BE49-F238E27FC236}">
+                <a16:creationId xmlns:a16="http://schemas.microsoft.com/office/drawing/2014/main" id="{A7F96328-4752-DFB6-E18D-81C49F57EE63}"/>
+              </a:ext>
+            </a:extLst>
+          </p:cNvPr>
+          <p:cNvSpPr txBox="1">
+            <a:spLocks/>
+          </p:cNvSpPr>
+          <p:nvPr/>
+        </p:nvSpPr>
+        <p:spPr>
+          <a:xfrm>
+            <a:off x="9168676" y="2608386"/>
+            <a:ext cx="2973559" cy="532048"/>
+          </a:xfrm>
+          <a:prstGeom prst="rect">
+            <a:avLst/>
+          </a:prstGeom>
+        </p:spPr>
+        <p:txBody>
+          <a:bodyPr vert="horz" lIns="91440" tIns="45720" rIns="91440" bIns="45720" rtlCol="0" anchor="ctr">
+            <a:normAutofit/>
+          </a:bodyPr>
+          <a:lstStyle>
+            <a:lvl1pPr algn="l" defTabSz="914400" rtl="0" eaLnBrk="1" latinLnBrk="0" hangingPunct="1">
+              <a:lnSpc>
+                <a:spcPct val="90000"/>
+              </a:lnSpc>
+              <a:spcBef>
+                <a:spcPct val="0"/>
+              </a:spcBef>
+              <a:buNone/>
+              <a:defRPr sz="4400" kern="1200">
+                <a:solidFill>
+                  <a:schemeClr val="tx1"/>
+                </a:solidFill>
+                <a:latin typeface="+mj-lt"/>
+                <a:ea typeface="+mj-ea"/>
+                <a:cs typeface="+mj-cs"/>
+              </a:defRPr>
+            </a:lvl1pPr>
+          </a:lstStyle>
+          <a:p>
+            <a:r>
+              <a:rPr lang="zh-TW" altLang="en-US" sz="1800" dirty="0">
+                <a:latin typeface="Noto Sans TC" panose="020B0200000000000000" pitchFamily="34" charset="-120"/>
+                <a:ea typeface="Noto Sans TC" panose="020B0200000000000000" pitchFamily="34" charset="-120"/>
+              </a:rPr>
+              <a:t>用攝影相關名言作為提示</a:t>
+            </a:r>
+          </a:p>
+        </p:txBody>
+      </p:sp>
+      <p:sp>
+        <p:nvSpPr>
+          <p:cNvPr id="53" name="矩形 52">
+            <a:extLst>
+              <a:ext uri="{FF2B5EF4-FFF2-40B4-BE49-F238E27FC236}">
+                <a16:creationId xmlns:a16="http://schemas.microsoft.com/office/drawing/2014/main" id="{646E45FF-CA31-08BC-E271-5080FDF3F518}"/>
+              </a:ext>
+            </a:extLst>
+          </p:cNvPr>
+          <p:cNvSpPr/>
+          <p:nvPr/>
+        </p:nvSpPr>
+        <p:spPr>
+          <a:xfrm>
+            <a:off x="9168676" y="4937047"/>
+            <a:ext cx="2335819" cy="340508"/>
+          </a:xfrm>
+          <a:prstGeom prst="rect">
+            <a:avLst/>
+          </a:prstGeom>
+        </p:spPr>
+        <p:style>
+          <a:lnRef idx="2">
+            <a:schemeClr val="dk1">
+              <a:shade val="50000"/>
+            </a:schemeClr>
+          </a:lnRef>
+          <a:fillRef idx="1">
+            <a:schemeClr val="dk1"/>
+          </a:fillRef>
+          <a:effectRef idx="0">
+            <a:schemeClr val="dk1"/>
+          </a:effectRef>
+          <a:fontRef idx="minor">
+            <a:schemeClr val="lt1"/>
+          </a:fontRef>
+        </p:style>
+        <p:txBody>
+          <a:bodyPr rtlCol="0" anchor="ctr"/>
+          <a:lstStyle/>
+          <a:p>
+            <a:pPr algn="ctr"/>
+            <a:endParaRPr lang="zh-TW" altLang="en-US" dirty="0"/>
+          </a:p>
+        </p:txBody>
+      </p:sp>
+      <p:sp>
+        <p:nvSpPr>
+          <p:cNvPr id="54" name="矩形 53">
+            <a:extLst>
+              <a:ext uri="{FF2B5EF4-FFF2-40B4-BE49-F238E27FC236}">
+                <a16:creationId xmlns:a16="http://schemas.microsoft.com/office/drawing/2014/main" id="{4422DE9D-DC74-EB65-FC95-84CEDFA8EFCA}"/>
+              </a:ext>
+            </a:extLst>
+          </p:cNvPr>
+          <p:cNvSpPr/>
+          <p:nvPr/>
+        </p:nvSpPr>
+        <p:spPr>
+          <a:xfrm>
+            <a:off x="9551101" y="4862407"/>
+            <a:ext cx="1780062" cy="340508"/>
+          </a:xfrm>
+          <a:prstGeom prst="rect">
+            <a:avLst/>
+          </a:prstGeom>
+          <a:solidFill>
+            <a:schemeClr val="bg1"/>
+          </a:solidFill>
+          <a:ln>
+            <a:solidFill>
+              <a:schemeClr val="bg1"/>
+            </a:solidFill>
+          </a:ln>
+        </p:spPr>
+        <p:style>
+          <a:lnRef idx="2">
+            <a:schemeClr val="dk1">
+              <a:shade val="50000"/>
+            </a:schemeClr>
+          </a:lnRef>
+          <a:fillRef idx="1">
+            <a:schemeClr val="dk1"/>
+          </a:fillRef>
+          <a:effectRef idx="0">
+            <a:schemeClr val="dk1"/>
+          </a:effectRef>
+          <a:fontRef idx="minor">
+            <a:schemeClr val="lt1"/>
+          </a:fontRef>
+        </p:style>
+        <p:txBody>
+          <a:bodyPr rtlCol="0" anchor="ctr"/>
+          <a:lstStyle/>
+          <a:p>
+            <a:pPr algn="ctr"/>
+            <a:endParaRPr lang="zh-TW" altLang="en-US" dirty="0"/>
+          </a:p>
+        </p:txBody>
+      </p:sp>
+      <p:sp>
+        <p:nvSpPr>
+          <p:cNvPr id="55" name="標題 1">
+            <a:extLst>
+              <a:ext uri="{FF2B5EF4-FFF2-40B4-BE49-F238E27FC236}">
+                <a16:creationId xmlns:a16="http://schemas.microsoft.com/office/drawing/2014/main" id="{EF1A5AB3-3652-10F4-CAE6-513DDCDBB9FC}"/>
+              </a:ext>
+            </a:extLst>
+          </p:cNvPr>
+          <p:cNvSpPr txBox="1">
+            <a:spLocks/>
+          </p:cNvSpPr>
+          <p:nvPr/>
+        </p:nvSpPr>
+        <p:spPr>
+          <a:xfrm>
+            <a:off x="9551101" y="4769929"/>
+            <a:ext cx="1953394" cy="532048"/>
+          </a:xfrm>
+          <a:prstGeom prst="rect">
+            <a:avLst/>
+          </a:prstGeom>
+        </p:spPr>
+        <p:txBody>
+          <a:bodyPr vert="horz" lIns="91440" tIns="45720" rIns="91440" bIns="45720" rtlCol="0" anchor="ctr">
+            <a:normAutofit/>
+          </a:bodyPr>
+          <a:lstStyle>
+            <a:lvl1pPr algn="l" defTabSz="914400" rtl="0" eaLnBrk="1" latinLnBrk="0" hangingPunct="1">
+              <a:lnSpc>
+                <a:spcPct val="90000"/>
+              </a:lnSpc>
+              <a:spcBef>
+                <a:spcPct val="0"/>
+              </a:spcBef>
+              <a:buNone/>
+              <a:defRPr sz="4400" kern="1200">
+                <a:solidFill>
+                  <a:schemeClr val="tx1"/>
+                </a:solidFill>
+                <a:latin typeface="+mj-lt"/>
+                <a:ea typeface="+mj-ea"/>
+                <a:cs typeface="+mj-cs"/>
+              </a:defRPr>
+            </a:lvl1pPr>
+          </a:lstStyle>
+          <a:p>
+            <a:r>
+              <a:rPr lang="zh-TW" altLang="en-US" sz="1800" dirty="0">
+                <a:latin typeface="Noto Sans TC" panose="020B0200000000000000" pitchFamily="34" charset="-120"/>
+                <a:ea typeface="Noto Sans TC" panose="020B0200000000000000" pitchFamily="34" charset="-120"/>
+              </a:rPr>
+              <a:t>通關輸入</a:t>
+            </a:r>
+          </a:p>
+        </p:txBody>
+      </p:sp>
+      <p:sp>
+        <p:nvSpPr>
+          <p:cNvPr id="56" name="標題 1">
+            <a:extLst>
+              <a:ext uri="{FF2B5EF4-FFF2-40B4-BE49-F238E27FC236}">
+                <a16:creationId xmlns:a16="http://schemas.microsoft.com/office/drawing/2014/main" id="{191A1979-75F5-F04E-D440-450040F34310}"/>
+              </a:ext>
+            </a:extLst>
+          </p:cNvPr>
+          <p:cNvSpPr txBox="1">
+            <a:spLocks/>
+          </p:cNvSpPr>
+          <p:nvPr/>
+        </p:nvSpPr>
+        <p:spPr>
+          <a:xfrm>
+            <a:off x="9168675" y="5323932"/>
+            <a:ext cx="2973559" cy="532048"/>
+          </a:xfrm>
+          <a:prstGeom prst="rect">
+            <a:avLst/>
+          </a:prstGeom>
+        </p:spPr>
+        <p:txBody>
+          <a:bodyPr vert="horz" lIns="91440" tIns="45720" rIns="91440" bIns="45720" rtlCol="0" anchor="ctr">
+            <a:normAutofit lnSpcReduction="10000"/>
+          </a:bodyPr>
+          <a:lstStyle>
+            <a:lvl1pPr algn="l" defTabSz="914400" rtl="0" eaLnBrk="1" latinLnBrk="0" hangingPunct="1">
+              <a:lnSpc>
+                <a:spcPct val="90000"/>
+              </a:lnSpc>
+              <a:spcBef>
+                <a:spcPct val="0"/>
+              </a:spcBef>
+              <a:buNone/>
+              <a:defRPr sz="4400" kern="1200">
+                <a:solidFill>
+                  <a:schemeClr val="tx1"/>
+                </a:solidFill>
+                <a:latin typeface="+mj-lt"/>
+                <a:ea typeface="+mj-ea"/>
+                <a:cs typeface="+mj-cs"/>
+              </a:defRPr>
+            </a:lvl1pPr>
+          </a:lstStyle>
+          <a:p>
+            <a:r>
+              <a:rPr lang="zh-TW" altLang="en-US" sz="1800" dirty="0">
+                <a:latin typeface="Noto Sans TC" panose="020B0200000000000000" pitchFamily="34" charset="-120"/>
+                <a:ea typeface="Noto Sans TC" panose="020B0200000000000000" pitchFamily="34" charset="-120"/>
+              </a:rPr>
+              <a:t>找到場上的密碼或</a:t>
+            </a:r>
+            <a:endParaRPr lang="en-US" altLang="zh-TW" sz="1800" dirty="0">
+              <a:latin typeface="Noto Sans TC" panose="020B0200000000000000" pitchFamily="34" charset="-120"/>
+              <a:ea typeface="Noto Sans TC" panose="020B0200000000000000" pitchFamily="34" charset="-120"/>
+            </a:endParaRPr>
+          </a:p>
+          <a:p>
+            <a:r>
+              <a:rPr lang="zh-TW" altLang="en-US" sz="1800" dirty="0">
+                <a:latin typeface="Noto Sans TC" panose="020B0200000000000000" pitchFamily="34" charset="-120"/>
+                <a:ea typeface="Noto Sans TC" panose="020B0200000000000000" pitchFamily="34" charset="-120"/>
+              </a:rPr>
+              <a:t>相對應文字</a:t>
+            </a:r>
+          </a:p>
+        </p:txBody>
+      </p:sp>
+    </p:spTree>
+    <p:extLst>
+      <p:ext uri="{BB962C8B-B14F-4D97-AF65-F5344CB8AC3E}">
+        <p14:creationId xmlns:p14="http://schemas.microsoft.com/office/powerpoint/2010/main" val="3201938454"/>
+      </p:ext>
+    </p:extLst>
+  </p:cSld>
+  <p:clrMapOvr>
+    <a:masterClrMapping/>
+  </p:clrMapOvr>
+</p:sld>
+</file>
+
+<file path=ppt/slides/slide6.xml><?xml version="1.0" encoding="utf-8"?>
+<p:sld xmlns:a="http://schemas.openxmlformats.org/drawingml/2006/main" xmlns:r="http://schemas.openxmlformats.org/officeDocument/2006/relationships" xmlns:p="http://schemas.openxmlformats.org/presentationml/2006/main">
+  <p:cSld>
+    <p:spTree>
+      <p:nvGrpSpPr>
+        <p:cNvPr id="1" name=""/>
+        <p:cNvGrpSpPr/>
+        <p:nvPr/>
+      </p:nvGrpSpPr>
+      <p:grpSpPr>
+        <a:xfrm>
+          <a:off x="0" y="0"/>
+          <a:ext cx="0" cy="0"/>
+          <a:chOff x="0" y="0"/>
+          <a:chExt cx="0" cy="0"/>
+        </a:xfrm>
+      </p:grpSpPr>
+      <p:sp>
+        <p:nvSpPr>
+          <p:cNvPr id="4" name="矩形: 圓角 3">
+            <a:extLst>
+              <a:ext uri="{FF2B5EF4-FFF2-40B4-BE49-F238E27FC236}">
+                <a16:creationId xmlns:a16="http://schemas.microsoft.com/office/drawing/2014/main" id="{88382D1E-21D5-8527-B0FD-F0CD837B2619}"/>
+              </a:ext>
+            </a:extLst>
+          </p:cNvPr>
+          <p:cNvSpPr/>
+          <p:nvPr/>
+        </p:nvSpPr>
+        <p:spPr>
+          <a:xfrm>
+            <a:off x="471715" y="383785"/>
+            <a:ext cx="3802743" cy="1195161"/>
+          </a:xfrm>
+          <a:prstGeom prst="roundRect">
+            <a:avLst/>
+          </a:prstGeom>
+          <a:solidFill>
+            <a:schemeClr val="bg1"/>
+          </a:solidFill>
+          <a:ln>
+            <a:solidFill>
+              <a:schemeClr val="accent1">
+                <a:lumMod val="20000"/>
+                <a:lumOff val="80000"/>
+              </a:schemeClr>
+            </a:solidFill>
+          </a:ln>
+        </p:spPr>
+        <p:style>
+          <a:lnRef idx="2">
+            <a:schemeClr val="accent1">
+              <a:shade val="50000"/>
+            </a:schemeClr>
+          </a:lnRef>
+          <a:fillRef idx="1">
+            <a:schemeClr val="accent1"/>
+          </a:fillRef>
+          <a:effectRef idx="0">
+            <a:schemeClr val="accent1"/>
+          </a:effectRef>
+          <a:fontRef idx="minor">
+            <a:schemeClr val="lt1"/>
+          </a:fontRef>
+        </p:style>
+        <p:txBody>
+          <a:bodyPr rtlCol="0" anchor="ctr"/>
+          <a:lstStyle/>
+          <a:p>
+            <a:pPr algn="ctr"/>
+            <a:endParaRPr lang="zh-TW" altLang="en-US"/>
+          </a:p>
+        </p:txBody>
+      </p:sp>
+      <p:sp>
+        <p:nvSpPr>
+          <p:cNvPr id="5" name="標題 1">
+            <a:extLst>
+              <a:ext uri="{FF2B5EF4-FFF2-40B4-BE49-F238E27FC236}">
+                <a16:creationId xmlns:a16="http://schemas.microsoft.com/office/drawing/2014/main" id="{1E95A89D-BC3A-2558-238E-B7A3A5CEA834}"/>
+              </a:ext>
+            </a:extLst>
+          </p:cNvPr>
+          <p:cNvSpPr txBox="1">
+            <a:spLocks/>
+          </p:cNvSpPr>
+          <p:nvPr/>
+        </p:nvSpPr>
+        <p:spPr>
+          <a:xfrm>
+            <a:off x="1040623" y="318583"/>
+            <a:ext cx="2652486" cy="1325563"/>
+          </a:xfrm>
+          <a:prstGeom prst="rect">
+            <a:avLst/>
+          </a:prstGeom>
+        </p:spPr>
+        <p:txBody>
+          <a:bodyPr vert="horz" lIns="91440" tIns="45720" rIns="91440" bIns="45720" rtlCol="0" anchor="ctr">
+            <a:normAutofit/>
+          </a:bodyPr>
+          <a:lstStyle>
+            <a:lvl1pPr algn="l" defTabSz="914400" rtl="0" eaLnBrk="1" latinLnBrk="0" hangingPunct="1">
+              <a:lnSpc>
+                <a:spcPct val="90000"/>
+              </a:lnSpc>
+              <a:spcBef>
+                <a:spcPct val="0"/>
+              </a:spcBef>
+              <a:buNone/>
+              <a:defRPr sz="4400" kern="1200">
+                <a:solidFill>
+                  <a:schemeClr val="tx1"/>
+                </a:solidFill>
+                <a:latin typeface="+mj-lt"/>
+                <a:ea typeface="+mj-ea"/>
+                <a:cs typeface="+mj-cs"/>
+              </a:defRPr>
+            </a:lvl1pPr>
+          </a:lstStyle>
+          <a:p>
+            <a:r>
+              <a:rPr lang="zh-TW" altLang="en-US" sz="3200" dirty="0">
+                <a:latin typeface="Noto Sans TC" panose="020B0200000000000000" pitchFamily="34" charset="-120"/>
+                <a:ea typeface="Noto Sans TC" panose="020B0200000000000000" pitchFamily="34" charset="-120"/>
+              </a:rPr>
+              <a:t>系統結構</a:t>
+            </a:r>
+          </a:p>
+        </p:txBody>
+      </p:sp>
+      <p:sp>
+        <p:nvSpPr>
+          <p:cNvPr id="6" name="矩形: 圓角 5">
+            <a:extLst>
+              <a:ext uri="{FF2B5EF4-FFF2-40B4-BE49-F238E27FC236}">
+                <a16:creationId xmlns:a16="http://schemas.microsoft.com/office/drawing/2014/main" id="{99971B66-D43A-C0BF-D44E-7521A36BF117}"/>
+              </a:ext>
+            </a:extLst>
+          </p:cNvPr>
+          <p:cNvSpPr/>
+          <p:nvPr/>
+        </p:nvSpPr>
+        <p:spPr>
+          <a:xfrm>
+            <a:off x="1452" y="671804"/>
+            <a:ext cx="127726" cy="668886"/>
+          </a:xfrm>
+          <a:prstGeom prst="roundRect">
+            <a:avLst/>
+          </a:prstGeom>
+          <a:solidFill>
+            <a:schemeClr val="bg1">
+              <a:lumMod val="65000"/>
+            </a:schemeClr>
+          </a:solidFill>
+          <a:ln>
+            <a:noFill/>
+          </a:ln>
+        </p:spPr>
+        <p:style>
+          <a:lnRef idx="2">
+            <a:schemeClr val="accent1">
+              <a:shade val="50000"/>
+            </a:schemeClr>
+          </a:lnRef>
+          <a:fillRef idx="1">
+            <a:schemeClr val="accent1"/>
+          </a:fillRef>
+          <a:effectRef idx="0">
+            <a:schemeClr val="accent1"/>
+          </a:effectRef>
+          <a:fontRef idx="minor">
+            <a:schemeClr val="lt1"/>
+          </a:fontRef>
+        </p:style>
+        <p:txBody>
+          <a:bodyPr rtlCol="0" anchor="ctr"/>
+          <a:lstStyle/>
+          <a:p>
+            <a:pPr algn="ctr"/>
+            <a:endParaRPr lang="zh-TW" altLang="en-US"/>
+          </a:p>
+        </p:txBody>
+      </p:sp>
+      <p:sp>
+        <p:nvSpPr>
+          <p:cNvPr id="7" name="矩形: 圓角 6">
+            <a:extLst>
+              <a:ext uri="{FF2B5EF4-FFF2-40B4-BE49-F238E27FC236}">
+                <a16:creationId xmlns:a16="http://schemas.microsoft.com/office/drawing/2014/main" id="{113DE221-B68D-29D0-C1DF-61735A02A7CC}"/>
+              </a:ext>
+            </a:extLst>
+          </p:cNvPr>
+          <p:cNvSpPr/>
+          <p:nvPr/>
+        </p:nvSpPr>
+        <p:spPr>
+          <a:xfrm>
+            <a:off x="169816" y="574766"/>
+            <a:ext cx="130630" cy="862962"/>
+          </a:xfrm>
+          <a:prstGeom prst="roundRect">
+            <a:avLst/>
+          </a:prstGeom>
+          <a:solidFill>
+            <a:schemeClr val="bg1">
+              <a:lumMod val="65000"/>
+            </a:schemeClr>
+          </a:solidFill>
+          <a:ln>
+            <a:noFill/>
+          </a:ln>
+        </p:spPr>
+        <p:style>
+          <a:lnRef idx="2">
+            <a:schemeClr val="accent1">
+              <a:shade val="50000"/>
+            </a:schemeClr>
+          </a:lnRef>
+          <a:fillRef idx="1">
+            <a:schemeClr val="accent1"/>
+          </a:fillRef>
+          <a:effectRef idx="0">
+            <a:schemeClr val="accent1"/>
+          </a:effectRef>
+          <a:fontRef idx="minor">
+            <a:schemeClr val="lt1"/>
+          </a:fontRef>
+        </p:style>
+        <p:txBody>
+          <a:bodyPr rtlCol="0" anchor="ctr"/>
+          <a:lstStyle/>
+          <a:p>
+            <a:pPr algn="ctr"/>
+            <a:endParaRPr lang="zh-TW" altLang="en-US"/>
+          </a:p>
+        </p:txBody>
+      </p:sp>
+      <p:sp>
+        <p:nvSpPr>
+          <p:cNvPr id="8" name="矩形: 圓角 7">
+            <a:extLst>
+              <a:ext uri="{FF2B5EF4-FFF2-40B4-BE49-F238E27FC236}">
+                <a16:creationId xmlns:a16="http://schemas.microsoft.com/office/drawing/2014/main" id="{343C3C89-62EF-ACF2-E520-1C15FC9E0510}"/>
+              </a:ext>
+            </a:extLst>
+          </p:cNvPr>
+          <p:cNvSpPr/>
+          <p:nvPr/>
+        </p:nvSpPr>
+        <p:spPr>
+          <a:xfrm>
+            <a:off x="341085" y="511629"/>
+            <a:ext cx="130630" cy="976762"/>
+          </a:xfrm>
+          <a:prstGeom prst="roundRect">
+            <a:avLst/>
+          </a:prstGeom>
+          <a:solidFill>
+            <a:schemeClr val="bg1">
+              <a:lumMod val="65000"/>
+            </a:schemeClr>
+          </a:solidFill>
+          <a:ln>
+            <a:noFill/>
+          </a:ln>
+        </p:spPr>
+        <p:style>
+          <a:lnRef idx="2">
+            <a:schemeClr val="accent1">
+              <a:shade val="50000"/>
+            </a:schemeClr>
+          </a:lnRef>
+          <a:fillRef idx="1">
+            <a:schemeClr val="accent1"/>
+          </a:fillRef>
+          <a:effectRef idx="0">
+            <a:schemeClr val="accent1"/>
+          </a:effectRef>
+          <a:fontRef idx="minor">
+            <a:schemeClr val="lt1"/>
+          </a:fontRef>
+        </p:style>
+        <p:txBody>
+          <a:bodyPr rtlCol="0" anchor="ctr"/>
+          <a:lstStyle/>
+          <a:p>
+            <a:pPr algn="ctr"/>
+            <a:endParaRPr lang="zh-TW" altLang="en-US"/>
+          </a:p>
+        </p:txBody>
+      </p:sp>
       <p:grpSp>
         <p:nvGrpSpPr>
           <p:cNvPr id="2" name="群組 1">
@@ -6122,7 +6588,7 @@
         </p:nvGrpSpPr>
         <p:grpSpPr>
           <a:xfrm>
-            <a:off x="4708536" y="2570055"/>
+            <a:off x="4981992" y="2060636"/>
             <a:ext cx="6418015" cy="454957"/>
             <a:chOff x="3693109" y="1007368"/>
             <a:chExt cx="8005666" cy="516290"/>
@@ -6245,7 +6711,7 @@
         </p:nvSpPr>
         <p:spPr>
           <a:xfrm>
-            <a:off x="4815678" y="2472728"/>
+            <a:off x="5089134" y="1963309"/>
             <a:ext cx="5496833" cy="649613"/>
           </a:xfrm>
           <a:prstGeom prst="rect">
@@ -6300,7 +6766,7 @@
         </p:nvGrpSpPr>
         <p:grpSpPr>
           <a:xfrm>
-            <a:off x="4708536" y="3529359"/>
+            <a:off x="4985160" y="3529359"/>
             <a:ext cx="6418015" cy="454957"/>
             <a:chOff x="3693109" y="1007368"/>
             <a:chExt cx="8005666" cy="516290"/>
@@ -6423,7 +6889,7 @@
         </p:nvSpPr>
         <p:spPr>
           <a:xfrm>
-            <a:off x="4815678" y="3432032"/>
+            <a:off x="5092302" y="3432032"/>
             <a:ext cx="5496833" cy="649613"/>
           </a:xfrm>
           <a:prstGeom prst="rect">
@@ -6459,17 +6925,31 @@
                 <a:latin typeface="Noto Sans TC" panose="020B0200000000000000" pitchFamily="34" charset="-120"/>
                 <a:ea typeface="Noto Sans TC" panose="020B0200000000000000" pitchFamily="34" charset="-120"/>
               </a:rPr>
-              <a:t>控制角色移動與動畫播放</a:t>
+              <a:t>使用</a:t>
+            </a:r>
+            <a:r>
+              <a:rPr lang="en-US" altLang="zh-TW" sz="1800" dirty="0">
+                <a:latin typeface="Noto Sans TC" panose="020B0200000000000000" pitchFamily="34" charset="-120"/>
+                <a:ea typeface="Noto Sans TC" panose="020B0200000000000000" pitchFamily="34" charset="-120"/>
+              </a:rPr>
+              <a:t>PHP</a:t>
+            </a:r>
+            <a:r>
+              <a:rPr lang="zh-TW" altLang="en-US" sz="1800" dirty="0">
+                <a:latin typeface="Noto Sans TC" panose="020B0200000000000000" pitchFamily="34" charset="-120"/>
+                <a:ea typeface="Noto Sans TC" panose="020B0200000000000000" pitchFamily="34" charset="-120"/>
+              </a:rPr>
+              <a:t>做資料存取</a:t>
             </a:r>
           </a:p>
         </p:txBody>
       </p:sp>
       <p:grpSp>
         <p:nvGrpSpPr>
-          <p:cNvPr id="27" name="群組 26">
-            <a:extLst>
-              <a:ext uri="{FF2B5EF4-FFF2-40B4-BE49-F238E27FC236}">
-                <a16:creationId xmlns:a16="http://schemas.microsoft.com/office/drawing/2014/main" id="{7C3F01A5-7208-DD68-6C53-B063E15E16AD}"/>
+          <p:cNvPr id="31" name="群組 30">
+            <a:extLst>
+              <a:ext uri="{FF2B5EF4-FFF2-40B4-BE49-F238E27FC236}">
+                <a16:creationId xmlns:a16="http://schemas.microsoft.com/office/drawing/2014/main" id="{AB302403-17CF-353F-F227-D6519CCE23BB}"/>
               </a:ext>
             </a:extLst>
           </p:cNvPr>
@@ -6478,185 +6958,7 @@
         </p:nvGrpSpPr>
         <p:grpSpPr>
           <a:xfrm>
-            <a:off x="4705368" y="4351609"/>
-            <a:ext cx="6418015" cy="454957"/>
-            <a:chOff x="3693109" y="1007368"/>
-            <a:chExt cx="8005666" cy="516290"/>
-          </a:xfrm>
-        </p:grpSpPr>
-        <p:sp>
-          <p:nvSpPr>
-            <p:cNvPr id="28" name="矩形 27">
-              <a:extLst>
-                <a:ext uri="{FF2B5EF4-FFF2-40B4-BE49-F238E27FC236}">
-                  <a16:creationId xmlns:a16="http://schemas.microsoft.com/office/drawing/2014/main" id="{ADEE268E-7D0D-D426-B2F5-238584EE5247}"/>
-                </a:ext>
-              </a:extLst>
-            </p:cNvPr>
-            <p:cNvSpPr/>
-            <p:nvPr/>
-          </p:nvSpPr>
-          <p:spPr>
-            <a:xfrm>
-              <a:off x="3693109" y="1082008"/>
-              <a:ext cx="8005666" cy="441650"/>
-            </a:xfrm>
-            <a:prstGeom prst="rect">
-              <a:avLst/>
-            </a:prstGeom>
-          </p:spPr>
-          <p:style>
-            <a:lnRef idx="2">
-              <a:schemeClr val="dk1">
-                <a:shade val="50000"/>
-              </a:schemeClr>
-            </a:lnRef>
-            <a:fillRef idx="1">
-              <a:schemeClr val="dk1"/>
-            </a:fillRef>
-            <a:effectRef idx="0">
-              <a:schemeClr val="dk1"/>
-            </a:effectRef>
-            <a:fontRef idx="minor">
-              <a:schemeClr val="lt1"/>
-            </a:fontRef>
-          </p:style>
-          <p:txBody>
-            <a:bodyPr rtlCol="0" anchor="ctr"/>
-            <a:lstStyle/>
-            <a:p>
-              <a:pPr algn="ctr"/>
-              <a:endParaRPr lang="zh-TW" altLang="en-US" dirty="0"/>
-            </a:p>
-          </p:txBody>
-        </p:sp>
-        <p:sp>
-          <p:nvSpPr>
-            <p:cNvPr id="29" name="矩形 28">
-              <a:extLst>
-                <a:ext uri="{FF2B5EF4-FFF2-40B4-BE49-F238E27FC236}">
-                  <a16:creationId xmlns:a16="http://schemas.microsoft.com/office/drawing/2014/main" id="{B69D8FB9-296E-7EB0-845D-5FF4ADC1042C}"/>
-                </a:ext>
-              </a:extLst>
-            </p:cNvPr>
-            <p:cNvSpPr/>
-            <p:nvPr/>
-          </p:nvSpPr>
-          <p:spPr>
-            <a:xfrm>
-              <a:off x="3814277" y="1007368"/>
-              <a:ext cx="6624995" cy="441650"/>
-            </a:xfrm>
-            <a:prstGeom prst="rect">
-              <a:avLst/>
-            </a:prstGeom>
-            <a:solidFill>
-              <a:schemeClr val="bg1"/>
-            </a:solidFill>
-            <a:ln>
-              <a:solidFill>
-                <a:schemeClr val="bg1"/>
-              </a:solidFill>
-            </a:ln>
-          </p:spPr>
-          <p:style>
-            <a:lnRef idx="2">
-              <a:schemeClr val="dk1">
-                <a:shade val="50000"/>
-              </a:schemeClr>
-            </a:lnRef>
-            <a:fillRef idx="1">
-              <a:schemeClr val="dk1"/>
-            </a:fillRef>
-            <a:effectRef idx="0">
-              <a:schemeClr val="dk1"/>
-            </a:effectRef>
-            <a:fontRef idx="minor">
-              <a:schemeClr val="lt1"/>
-            </a:fontRef>
-          </p:style>
-          <p:txBody>
-            <a:bodyPr rtlCol="0" anchor="ctr"/>
-            <a:lstStyle/>
-            <a:p>
-              <a:pPr algn="ctr"/>
-              <a:endParaRPr lang="zh-TW" altLang="en-US" dirty="0"/>
-            </a:p>
-          </p:txBody>
-        </p:sp>
-      </p:grpSp>
-      <p:sp>
-        <p:nvSpPr>
-          <p:cNvPr id="30" name="標題 1">
-            <a:extLst>
-              <a:ext uri="{FF2B5EF4-FFF2-40B4-BE49-F238E27FC236}">
-                <a16:creationId xmlns:a16="http://schemas.microsoft.com/office/drawing/2014/main" id="{F2DE9CD7-2AA1-3B7B-1175-E07A9E80D5FD}"/>
-              </a:ext>
-            </a:extLst>
-          </p:cNvPr>
-          <p:cNvSpPr txBox="1">
-            <a:spLocks/>
-          </p:cNvSpPr>
-          <p:nvPr/>
-        </p:nvSpPr>
-        <p:spPr>
-          <a:xfrm>
-            <a:off x="4812510" y="4254282"/>
-            <a:ext cx="5496833" cy="649613"/>
-          </a:xfrm>
-          <a:prstGeom prst="rect">
-            <a:avLst/>
-          </a:prstGeom>
-        </p:spPr>
-        <p:txBody>
-          <a:bodyPr vert="horz" lIns="91440" tIns="45720" rIns="91440" bIns="45720" rtlCol="0" anchor="ctr">
-            <a:normAutofit/>
-          </a:bodyPr>
-          <a:lstStyle>
-            <a:lvl1pPr algn="l" defTabSz="914400" rtl="0" eaLnBrk="1" latinLnBrk="0" hangingPunct="1">
-              <a:lnSpc>
-                <a:spcPct val="90000"/>
-              </a:lnSpc>
-              <a:spcBef>
-                <a:spcPct val="0"/>
-              </a:spcBef>
-              <a:buNone/>
-              <a:defRPr sz="4400" kern="1200">
-                <a:solidFill>
-                  <a:schemeClr val="tx1"/>
-                </a:solidFill>
-                <a:latin typeface="+mj-lt"/>
-                <a:ea typeface="+mj-ea"/>
-                <a:cs typeface="+mj-cs"/>
-              </a:defRPr>
-            </a:lvl1pPr>
-          </a:lstStyle>
-          <a:p>
-            <a:r>
-              <a:rPr lang="zh-TW" altLang="en-US" sz="1800" dirty="0">
-                <a:latin typeface="Noto Sans TC" panose="020B0200000000000000" pitchFamily="34" charset="-120"/>
-                <a:ea typeface="Noto Sans TC" panose="020B0200000000000000" pitchFamily="34" charset="-120"/>
-              </a:rPr>
-              <a:t>物件生成位置與結束位判斷</a:t>
-            </a:r>
-          </a:p>
-        </p:txBody>
-      </p:sp>
-      <p:grpSp>
-        <p:nvGrpSpPr>
-          <p:cNvPr id="31" name="群組 30">
-            <a:extLst>
-              <a:ext uri="{FF2B5EF4-FFF2-40B4-BE49-F238E27FC236}">
-                <a16:creationId xmlns:a16="http://schemas.microsoft.com/office/drawing/2014/main" id="{AB302403-17CF-353F-F227-D6519CCE23BB}"/>
-              </a:ext>
-            </a:extLst>
-          </p:cNvPr>
-          <p:cNvGrpSpPr/>
-          <p:nvPr/>
-        </p:nvGrpSpPr>
-        <p:grpSpPr>
-          <a:xfrm>
-            <a:off x="4708536" y="5302742"/>
+            <a:off x="4981992" y="4987868"/>
             <a:ext cx="6418015" cy="454957"/>
             <a:chOff x="3693109" y="1007368"/>
             <a:chExt cx="8005666" cy="516290"/>
@@ -6779,7 +7081,7 @@
         </p:nvSpPr>
         <p:spPr>
           <a:xfrm>
-            <a:off x="4815678" y="5205415"/>
+            <a:off x="5089134" y="4890541"/>
             <a:ext cx="5496833" cy="649613"/>
           </a:xfrm>
           <a:prstGeom prst="rect">
@@ -6811,19 +7113,23 @@
           </a:lstStyle>
           <a:p>
             <a:r>
-              <a:rPr lang="en-US" altLang="zh-TW" sz="1800" dirty="0">
-                <a:latin typeface="Noto Sans TC" panose="020B0200000000000000" pitchFamily="34" charset="-120"/>
-                <a:ea typeface="Noto Sans TC" panose="020B0200000000000000" pitchFamily="34" charset="-120"/>
-              </a:rPr>
-              <a:t>UI</a:t>
-            </a:r>
-            <a:r>
               <a:rPr lang="zh-TW" altLang="en-US" sz="1800" dirty="0">
                 <a:latin typeface="Noto Sans TC" panose="020B0200000000000000" pitchFamily="34" charset="-120"/>
                 <a:ea typeface="Noto Sans TC" panose="020B0200000000000000" pitchFamily="34" charset="-120"/>
               </a:rPr>
-              <a:t>介面</a:t>
-            </a:r>
+              <a:t>資料存於 </a:t>
+            </a:r>
+            <a:r>
+              <a:rPr lang="en-US" altLang="zh-TW" sz="1800" dirty="0" err="1">
+                <a:latin typeface="Noto Sans TC" panose="020B0200000000000000" pitchFamily="34" charset="-120"/>
+                <a:ea typeface="Noto Sans TC" panose="020B0200000000000000" pitchFamily="34" charset="-120"/>
+              </a:rPr>
+              <a:t>phpMyadmin</a:t>
+            </a:r>
+            <a:endParaRPr lang="zh-TW" altLang="en-US" sz="1800" dirty="0">
+              <a:latin typeface="Noto Sans TC" panose="020B0200000000000000" pitchFamily="34" charset="-120"/>
+              <a:ea typeface="Noto Sans TC" panose="020B0200000000000000" pitchFamily="34" charset="-120"/>
+            </a:endParaRPr>
           </a:p>
         </p:txBody>
       </p:sp>
@@ -6923,6 +7229,63 @@
           </a:prstGeom>
         </p:spPr>
       </p:pic>
+      <p:sp>
+        <p:nvSpPr>
+          <p:cNvPr id="3" name="標題 1">
+            <a:extLst>
+              <a:ext uri="{FF2B5EF4-FFF2-40B4-BE49-F238E27FC236}">
+                <a16:creationId xmlns:a16="http://schemas.microsoft.com/office/drawing/2014/main" id="{A3BF9DCE-F1B8-E689-7B5B-213F6ABFB5B9}"/>
+              </a:ext>
+            </a:extLst>
+          </p:cNvPr>
+          <p:cNvSpPr txBox="1">
+            <a:spLocks/>
+          </p:cNvSpPr>
+          <p:nvPr/>
+        </p:nvSpPr>
+        <p:spPr>
+          <a:xfrm>
+            <a:off x="5089134" y="5503826"/>
+            <a:ext cx="5496833" cy="649613"/>
+          </a:xfrm>
+          <a:prstGeom prst="rect">
+            <a:avLst/>
+          </a:prstGeom>
+        </p:spPr>
+        <p:txBody>
+          <a:bodyPr vert="horz" lIns="91440" tIns="45720" rIns="91440" bIns="45720" rtlCol="0" anchor="ctr">
+            <a:normAutofit/>
+          </a:bodyPr>
+          <a:lstStyle>
+            <a:lvl1pPr algn="l" defTabSz="914400" rtl="0" eaLnBrk="1" latinLnBrk="0" hangingPunct="1">
+              <a:lnSpc>
+                <a:spcPct val="90000"/>
+              </a:lnSpc>
+              <a:spcBef>
+                <a:spcPct val="0"/>
+              </a:spcBef>
+              <a:buNone/>
+              <a:defRPr sz="4400" kern="1200">
+                <a:solidFill>
+                  <a:schemeClr val="tx1"/>
+                </a:solidFill>
+                <a:latin typeface="+mj-lt"/>
+                <a:ea typeface="+mj-ea"/>
+                <a:cs typeface="+mj-cs"/>
+              </a:defRPr>
+            </a:lvl1pPr>
+          </a:lstStyle>
+          <a:p>
+            <a:r>
+              <a:rPr lang="zh-TW" altLang="en-US" sz="1800" dirty="0">
+                <a:latin typeface="Noto Sans TC" panose="020B0200000000000000" pitchFamily="34" charset="-120"/>
+                <a:ea typeface="Noto Sans TC" panose="020B0200000000000000" pitchFamily="34" charset="-120"/>
+              </a:rPr>
+              <a:t>用戶、過關關數</a:t>
+            </a:r>
+          </a:p>
+        </p:txBody>
+      </p:sp>
     </p:spTree>
     <p:extLst>
       <p:ext uri="{BB962C8B-B14F-4D97-AF65-F5344CB8AC3E}">
